--- a/S320060133-王丹妮.pptx
+++ b/S320060133-王丹妮.pptx
@@ -15,8 +15,8 @@
     <p:sldId id="331" r:id="rId7"/>
     <p:sldId id="296" r:id="rId8"/>
     <p:sldId id="333" r:id="rId10"/>
-    <p:sldId id="298" r:id="rId11"/>
-    <p:sldId id="297" r:id="rId12"/>
+    <p:sldId id="297" r:id="rId11"/>
+    <p:sldId id="298" r:id="rId12"/>
     <p:sldId id="334" r:id="rId13"/>
     <p:sldId id="299" r:id="rId14"/>
     <p:sldId id="300" r:id="rId15"/>
@@ -4368,8 +4368,8 @@
                     <a:lumOff val="35000"/>
                   </a:schemeClr>
                 </a:solidFill>
-                <a:latin typeface="Segoe UI" panose="020B0502040204020203" pitchFamily="34" charset="0"/>
-                <a:ea typeface="Segoe UI" panose="020B0502040204020203" pitchFamily="34" charset="0"/>
+                <a:latin typeface="华文楷体" panose="02010600040101010101" charset="-122"/>
+                <a:ea typeface="华文楷体" panose="02010600040101010101" charset="-122"/>
                 <a:cs typeface="Segoe UI" panose="020B0502040204020203" pitchFamily="34" charset="0"/>
               </a:rPr>
               <a:t>手语翻译的密集</a:t>
@@ -4382,8 +4382,8 @@
                     <a:lumOff val="35000"/>
                   </a:schemeClr>
                 </a:solidFill>
-                <a:latin typeface="Segoe UI" panose="020B0502040204020203" pitchFamily="34" charset="0"/>
-                <a:ea typeface="宋体" panose="02010600030101010101" pitchFamily="2" charset="-122"/>
+                <a:latin typeface="华文楷体" panose="02010600040101010101" charset="-122"/>
+                <a:ea typeface="华文楷体" panose="02010600040101010101" charset="-122"/>
                 <a:cs typeface="Segoe UI" panose="020B0502040204020203" pitchFamily="34" charset="0"/>
               </a:rPr>
               <a:t>时间</a:t>
@@ -4396,8 +4396,8 @@
                     <a:lumOff val="35000"/>
                   </a:schemeClr>
                 </a:solidFill>
-                <a:latin typeface="Segoe UI" panose="020B0502040204020203" pitchFamily="34" charset="0"/>
-                <a:ea typeface="Segoe UI" panose="020B0502040204020203" pitchFamily="34" charset="0"/>
+                <a:latin typeface="华文楷体" panose="02010600040101010101" charset="-122"/>
+                <a:ea typeface="华文楷体" panose="02010600040101010101" charset="-122"/>
                 <a:cs typeface="Segoe UI" panose="020B0502040204020203" pitchFamily="34" charset="0"/>
               </a:rPr>
               <a:t>卷积网络</a:t>
@@ -4409,8 +4409,8 @@
                   <a:lumOff val="35000"/>
                 </a:schemeClr>
               </a:solidFill>
-              <a:latin typeface="Segoe UI" panose="020B0502040204020203" pitchFamily="34" charset="0"/>
-              <a:ea typeface="Segoe UI" panose="020B0502040204020203" pitchFamily="34" charset="0"/>
+              <a:latin typeface="华文楷体" panose="02010600040101010101" charset="-122"/>
+              <a:ea typeface="华文楷体" panose="02010600040101010101" charset="-122"/>
               <a:cs typeface="Segoe UI" panose="020B0502040204020203" pitchFamily="34" charset="0"/>
             </a:endParaRPr>
           </a:p>
@@ -4423,8 +4423,8 @@
                   <a:lumOff val="35000"/>
                 </a:schemeClr>
               </a:solidFill>
-              <a:latin typeface="Segoe UI" panose="020B0502040204020203" pitchFamily="34" charset="0"/>
-              <a:ea typeface="Segoe UI" panose="020B0502040204020203" pitchFamily="34" charset="0"/>
+              <a:latin typeface="华文楷体" panose="02010600040101010101" charset="-122"/>
+              <a:ea typeface="华文楷体" panose="02010600040101010101" charset="-122"/>
               <a:cs typeface="Segoe UI" panose="020B0502040204020203" pitchFamily="34" charset="0"/>
             </a:endParaRPr>
           </a:p>
@@ -4439,7 +4439,7 @@
         <p:spPr>
           <a:xfrm>
             <a:off x="5046980" y="4431665"/>
-            <a:ext cx="2098675" cy="645160"/>
+            <a:ext cx="1943735" cy="645160"/>
           </a:xfrm>
           <a:prstGeom prst="rect">
             <a:avLst/>
@@ -4464,9 +4464,9 @@
                     <a:lumOff val="35000"/>
                   </a:schemeClr>
                 </a:solidFill>
-                <a:latin typeface="Segoe UI" panose="020B0502040204020203" pitchFamily="34" charset="0"/>
-                <a:ea typeface="Segoe UI" panose="020B0502040204020203" pitchFamily="34" charset="0"/>
-                <a:cs typeface="Segoe UI" panose="020B0502040204020203" pitchFamily="34" charset="0"/>
+                <a:latin typeface="华文楷体" panose="02010600040101010101" charset="-122"/>
+                <a:ea typeface="华文楷体" panose="02010600040101010101" charset="-122"/>
+                <a:cs typeface="华文楷体" panose="02010600040101010101" charset="-122"/>
               </a:rPr>
               <a:t>学号：S320060133</a:t>
             </a:r>
@@ -4477,9 +4477,9 @@
                   <a:lumOff val="35000"/>
                 </a:schemeClr>
               </a:solidFill>
-              <a:latin typeface="Segoe UI" panose="020B0502040204020203" pitchFamily="34" charset="0"/>
-              <a:ea typeface="Segoe UI" panose="020B0502040204020203" pitchFamily="34" charset="0"/>
-              <a:cs typeface="Segoe UI" panose="020B0502040204020203" pitchFamily="34" charset="0"/>
+              <a:latin typeface="华文楷体" panose="02010600040101010101" charset="-122"/>
+              <a:ea typeface="华文楷体" panose="02010600040101010101" charset="-122"/>
+              <a:cs typeface="华文楷体" panose="02010600040101010101" charset="-122"/>
             </a:endParaRPr>
           </a:p>
           <a:p>
@@ -4496,9 +4496,9 @@
                     <a:lumOff val="35000"/>
                   </a:schemeClr>
                 </a:solidFill>
-                <a:latin typeface="Segoe UI" panose="020B0502040204020203" pitchFamily="34" charset="0"/>
-                <a:ea typeface="Segoe UI" panose="020B0502040204020203" pitchFamily="34" charset="0"/>
-                <a:cs typeface="Segoe UI" panose="020B0502040204020203" pitchFamily="34" charset="0"/>
+                <a:latin typeface="华文楷体" panose="02010600040101010101" charset="-122"/>
+                <a:ea typeface="华文楷体" panose="02010600040101010101" charset="-122"/>
+                <a:cs typeface="华文楷体" panose="02010600040101010101" charset="-122"/>
               </a:rPr>
               <a:t>姓名：王丹妮</a:t>
             </a:r>
@@ -4509,9 +4509,9 @@
                   <a:lumOff val="35000"/>
                 </a:schemeClr>
               </a:solidFill>
-              <a:latin typeface="Segoe UI" panose="020B0502040204020203" pitchFamily="34" charset="0"/>
-              <a:ea typeface="Segoe UI" panose="020B0502040204020203" pitchFamily="34" charset="0"/>
-              <a:cs typeface="Segoe UI" panose="020B0502040204020203" pitchFamily="34" charset="0"/>
+              <a:latin typeface="华文楷体" panose="02010600040101010101" charset="-122"/>
+              <a:ea typeface="华文楷体" panose="02010600040101010101" charset="-122"/>
+              <a:cs typeface="华文楷体" panose="02010600040101010101" charset="-122"/>
             </a:endParaRPr>
           </a:p>
         </p:txBody>
@@ -5176,7 +5176,23 @@
                 <a:ea typeface="华文楷体" panose="02010600040101010101" charset="-122"/>
                 <a:cs typeface="华文楷体" panose="02010600040101010101" charset="-122"/>
               </a:rPr>
-              <a:t>开始，每30个训练后将学习率降低0.1，当学习率低于10 - 6时停止训练</a:t>
+              <a:t>开始，每30个训练后将学习率降低0.1，当学习率低于10</a:t>
+            </a:r>
+            <a:r>
+              <a:rPr sz="2000" baseline="30000">
+                <a:latin typeface="华文楷体" panose="02010600040101010101" charset="-122"/>
+                <a:ea typeface="华文楷体" panose="02010600040101010101" charset="-122"/>
+                <a:cs typeface="华文楷体" panose="02010600040101010101" charset="-122"/>
+              </a:rPr>
+              <a:t> - 6</a:t>
+            </a:r>
+            <a:r>
+              <a:rPr sz="2000">
+                <a:latin typeface="华文楷体" panose="02010600040101010101" charset="-122"/>
+                <a:ea typeface="华文楷体" panose="02010600040101010101" charset="-122"/>
+                <a:cs typeface="华文楷体" panose="02010600040101010101" charset="-122"/>
+              </a:rPr>
+              <a:t>时停止训练</a:t>
             </a:r>
             <a:r>
               <a:rPr lang="zh-CN" sz="2000">
@@ -5511,15 +5527,7 @@
                 <a:ea typeface="华文楷体" panose="02010600040101010101" charset="-122"/>
                 <a:cs typeface="华文楷体" panose="02010600040101010101" charset="-122"/>
               </a:rPr>
-              <a:t>值</a:t>
-            </a:r>
-            <a:r>
-              <a:rPr lang="zh-CN" altLang="en-US" sz="2000" b="0">
-                <a:latin typeface="华文楷体" panose="02010600040101010101" charset="-122"/>
-                <a:ea typeface="华文楷体" panose="02010600040101010101" charset="-122"/>
-                <a:cs typeface="华文楷体" panose="02010600040101010101" charset="-122"/>
-              </a:rPr>
-              <a:t>越低，翻译过程的准确性就越高。</a:t>
+              <a:t>值越低，翻译过程的准确性就越高。</a:t>
             </a:r>
             <a:endParaRPr lang="zh-CN" altLang="en-US" sz="2000" b="0">
               <a:latin typeface="华文楷体" panose="02010600040101010101" charset="-122"/>
@@ -5761,21 +5769,7 @@
                 <a:ea typeface="微软雅黑" panose="020B0503020204020204" pitchFamily="34" charset="-122"/>
                 <a:cs typeface="Open Sans" panose="020B0606030504020204" pitchFamily="34" charset="0"/>
               </a:rPr>
-              <a:t>函数</a:t>
-            </a:r>
-            <a:r>
-              <a:rPr lang="zh-CN" altLang="en-US" sz="3200" b="1" dirty="0">
-                <a:solidFill>
-                  <a:schemeClr val="tx1">
-                    <a:lumMod val="75000"/>
-                    <a:lumOff val="25000"/>
-                  </a:schemeClr>
-                </a:solidFill>
-                <a:latin typeface="微软雅黑" panose="020B0503020204020204" pitchFamily="34" charset="-122"/>
-                <a:ea typeface="微软雅黑" panose="020B0503020204020204" pitchFamily="34" charset="-122"/>
-                <a:cs typeface="Open Sans" panose="020B0606030504020204" pitchFamily="34" charset="0"/>
-              </a:rPr>
-              <a:t>的必要性</a:t>
+              <a:t>函数的必要性</a:t>
             </a:r>
             <a:endParaRPr lang="zh-CN" altLang="en-US" sz="3200" b="1" dirty="0">
               <a:solidFill>
@@ -6420,60 +6414,6 @@
       </p:sp>
       <p:sp>
         <p:nvSpPr>
-          <p:cNvPr id="4" name="矩形 3"/>
-          <p:cNvSpPr/>
-          <p:nvPr/>
-        </p:nvSpPr>
-        <p:spPr>
-          <a:xfrm>
-            <a:off x="2138045" y="4166235"/>
-            <a:ext cx="958850" cy="313055"/>
-          </a:xfrm>
-          <a:prstGeom prst="rect">
-            <a:avLst/>
-          </a:prstGeom>
-          <a:noFill/>
-          <a:ln w="28575">
-            <a:solidFill>
-              <a:srgbClr val="FF0000"/>
-            </a:solidFill>
-          </a:ln>
-          <a:extLst>
-            <a:ext uri="{909E8E84-426E-40DD-AFC4-6F175D3DCCD1}">
-              <a14:hiddenFill xmlns:a14="http://schemas.microsoft.com/office/drawing/2010/main">
-                <a:solidFill>
-                  <a:schemeClr val="accent1"/>
-                </a:solidFill>
-              </a14:hiddenFill>
-            </a:ext>
-          </a:extLst>
-        </p:spPr>
-        <p:style>
-          <a:lnRef idx="2">
-            <a:schemeClr val="accent1">
-              <a:shade val="50000"/>
-            </a:schemeClr>
-          </a:lnRef>
-          <a:fillRef idx="1">
-            <a:schemeClr val="accent1"/>
-          </a:fillRef>
-          <a:effectRef idx="0">
-            <a:schemeClr val="accent1"/>
-          </a:effectRef>
-          <a:fontRef idx="minor">
-            <a:schemeClr val="lt1"/>
-          </a:fontRef>
-        </p:style>
-        <p:txBody>
-          <a:bodyPr rtlCol="0" anchor="ctr"/>
-          <a:p>
-            <a:pPr algn="ctr"/>
-            <a:endParaRPr lang="zh-CN" altLang="en-US"/>
-          </a:p>
-        </p:txBody>
-      </p:sp>
-      <p:sp>
-        <p:nvSpPr>
           <p:cNvPr id="100" name="文本框 99"/>
           <p:cNvSpPr txBox="1"/>
           <p:nvPr/>
@@ -6522,7 +6462,23 @@
                 <a:ea typeface="华文楷体" panose="02010600040101010101" charset="-122"/>
                 <a:cs typeface="华文楷体" panose="02010600040101010101" charset="-122"/>
               </a:rPr>
-              <a:t>选择替换的单词WIND和REGION</a:t>
+              <a:t>选择</a:t>
+            </a:r>
+            <a:r>
+              <a:rPr lang="zh-CN" altLang="en-US" sz="2000" b="0">
+                <a:latin typeface="华文楷体" panose="02010600040101010101" charset="-122"/>
+                <a:ea typeface="华文楷体" panose="02010600040101010101" charset="-122"/>
+                <a:cs typeface="华文楷体" panose="02010600040101010101" charset="-122"/>
+              </a:rPr>
+              <a:t>了</a:t>
+            </a:r>
+            <a:r>
+              <a:rPr lang="en-US" altLang="zh-CN" sz="2000" b="0">
+                <a:latin typeface="华文楷体" panose="02010600040101010101" charset="-122"/>
+                <a:ea typeface="华文楷体" panose="02010600040101010101" charset="-122"/>
+                <a:cs typeface="华文楷体" panose="02010600040101010101" charset="-122"/>
+              </a:rPr>
+              <a:t>替换的单词WIND和REGION</a:t>
             </a:r>
             <a:r>
               <a:rPr lang="zh-CN" altLang="en-US" sz="2000" b="0">
@@ -6545,114 +6501,6 @@
               <a:ea typeface="华文楷体" panose="02010600040101010101" charset="-122"/>
               <a:cs typeface="华文楷体" panose="02010600040101010101" charset="-122"/>
             </a:endParaRPr>
-          </a:p>
-        </p:txBody>
-      </p:sp>
-      <p:sp>
-        <p:nvSpPr>
-          <p:cNvPr id="5" name="矩形 4"/>
-          <p:cNvSpPr/>
-          <p:nvPr/>
-        </p:nvSpPr>
-        <p:spPr>
-          <a:xfrm>
-            <a:off x="3096895" y="4488815"/>
-            <a:ext cx="841375" cy="195580"/>
-          </a:xfrm>
-          <a:prstGeom prst="rect">
-            <a:avLst/>
-          </a:prstGeom>
-          <a:noFill/>
-          <a:ln w="28575">
-            <a:solidFill>
-              <a:srgbClr val="FF0000"/>
-            </a:solidFill>
-          </a:ln>
-          <a:extLst>
-            <a:ext uri="{909E8E84-426E-40DD-AFC4-6F175D3DCCD1}">
-              <a14:hiddenFill xmlns:a14="http://schemas.microsoft.com/office/drawing/2010/main">
-                <a:solidFill>
-                  <a:schemeClr val="accent1"/>
-                </a:solidFill>
-              </a14:hiddenFill>
-            </a:ext>
-          </a:extLst>
-        </p:spPr>
-        <p:style>
-          <a:lnRef idx="2">
-            <a:schemeClr val="accent1">
-              <a:shade val="50000"/>
-            </a:schemeClr>
-          </a:lnRef>
-          <a:fillRef idx="1">
-            <a:schemeClr val="accent1"/>
-          </a:fillRef>
-          <a:effectRef idx="0">
-            <a:schemeClr val="accent1"/>
-          </a:effectRef>
-          <a:fontRef idx="minor">
-            <a:schemeClr val="lt1"/>
-          </a:fontRef>
-        </p:style>
-        <p:txBody>
-          <a:bodyPr rtlCol="0" anchor="ctr"/>
-          <a:p>
-            <a:pPr algn="ctr"/>
-            <a:endParaRPr lang="zh-CN" altLang="en-US"/>
-          </a:p>
-        </p:txBody>
-      </p:sp>
-      <p:sp>
-        <p:nvSpPr>
-          <p:cNvPr id="7" name="矩形 6"/>
-          <p:cNvSpPr/>
-          <p:nvPr/>
-        </p:nvSpPr>
-        <p:spPr>
-          <a:xfrm>
-            <a:off x="7988935" y="4166235"/>
-            <a:ext cx="763270" cy="313055"/>
-          </a:xfrm>
-          <a:prstGeom prst="rect">
-            <a:avLst/>
-          </a:prstGeom>
-          <a:noFill/>
-          <a:ln w="28575">
-            <a:solidFill>
-              <a:srgbClr val="F684FD"/>
-            </a:solidFill>
-          </a:ln>
-          <a:extLst>
-            <a:ext uri="{909E8E84-426E-40DD-AFC4-6F175D3DCCD1}">
-              <a14:hiddenFill xmlns:a14="http://schemas.microsoft.com/office/drawing/2010/main">
-                <a:solidFill>
-                  <a:schemeClr val="accent1"/>
-                </a:solidFill>
-              </a14:hiddenFill>
-            </a:ext>
-          </a:extLst>
-        </p:spPr>
-        <p:style>
-          <a:lnRef idx="2">
-            <a:schemeClr val="accent1">
-              <a:shade val="50000"/>
-            </a:schemeClr>
-          </a:lnRef>
-          <a:fillRef idx="1">
-            <a:schemeClr val="accent1"/>
-          </a:fillRef>
-          <a:effectRef idx="0">
-            <a:schemeClr val="accent1"/>
-          </a:effectRef>
-          <a:fontRef idx="minor">
-            <a:schemeClr val="lt1"/>
-          </a:fontRef>
-        </p:style>
-        <p:txBody>
-          <a:bodyPr rtlCol="0" anchor="ctr"/>
-          <a:p>
-            <a:pPr algn="ctr"/>
-            <a:endParaRPr lang="zh-CN" altLang="en-US"/>
           </a:p>
         </p:txBody>
       </p:sp>
@@ -6766,60 +6614,6 @@
       </p:sp>
       <p:sp>
         <p:nvSpPr>
-          <p:cNvPr id="11" name="矩形 10"/>
-          <p:cNvSpPr/>
-          <p:nvPr/>
-        </p:nvSpPr>
-        <p:spPr>
-          <a:xfrm>
-            <a:off x="1550035" y="4166235"/>
-            <a:ext cx="588010" cy="313055"/>
-          </a:xfrm>
-          <a:prstGeom prst="rect">
-            <a:avLst/>
-          </a:prstGeom>
-          <a:noFill/>
-          <a:ln w="28575">
-            <a:solidFill>
-              <a:srgbClr val="F684FD"/>
-            </a:solidFill>
-          </a:ln>
-          <a:extLst>
-            <a:ext uri="{909E8E84-426E-40DD-AFC4-6F175D3DCCD1}">
-              <a14:hiddenFill xmlns:a14="http://schemas.microsoft.com/office/drawing/2010/main">
-                <a:solidFill>
-                  <a:schemeClr val="accent1"/>
-                </a:solidFill>
-              </a14:hiddenFill>
-            </a:ext>
-          </a:extLst>
-        </p:spPr>
-        <p:style>
-          <a:lnRef idx="2">
-            <a:schemeClr val="accent1">
-              <a:shade val="50000"/>
-            </a:schemeClr>
-          </a:lnRef>
-          <a:fillRef idx="1">
-            <a:schemeClr val="accent1"/>
-          </a:fillRef>
-          <a:effectRef idx="0">
-            <a:schemeClr val="accent1"/>
-          </a:effectRef>
-          <a:fontRef idx="minor">
-            <a:schemeClr val="lt1"/>
-          </a:fontRef>
-        </p:style>
-        <p:txBody>
-          <a:bodyPr rtlCol="0" anchor="ctr"/>
-          <a:p>
-            <a:pPr algn="ctr"/>
-            <a:endParaRPr lang="zh-CN" altLang="en-US"/>
-          </a:p>
-        </p:txBody>
-      </p:sp>
-      <p:sp>
-        <p:nvSpPr>
           <p:cNvPr id="12" name="矩形 11"/>
           <p:cNvSpPr/>
           <p:nvPr/>
@@ -6836,222 +6630,6 @@
           <a:ln w="28575">
             <a:solidFill>
               <a:srgbClr val="FF0000"/>
-            </a:solidFill>
-          </a:ln>
-          <a:extLst>
-            <a:ext uri="{909E8E84-426E-40DD-AFC4-6F175D3DCCD1}">
-              <a14:hiddenFill xmlns:a14="http://schemas.microsoft.com/office/drawing/2010/main">
-                <a:solidFill>
-                  <a:schemeClr val="accent1"/>
-                </a:solidFill>
-              </a14:hiddenFill>
-            </a:ext>
-          </a:extLst>
-        </p:spPr>
-        <p:style>
-          <a:lnRef idx="2">
-            <a:schemeClr val="accent1">
-              <a:shade val="50000"/>
-            </a:schemeClr>
-          </a:lnRef>
-          <a:fillRef idx="1">
-            <a:schemeClr val="accent1"/>
-          </a:fillRef>
-          <a:effectRef idx="0">
-            <a:schemeClr val="accent1"/>
-          </a:effectRef>
-          <a:fontRef idx="minor">
-            <a:schemeClr val="lt1"/>
-          </a:fontRef>
-        </p:style>
-        <p:txBody>
-          <a:bodyPr rtlCol="0" anchor="ctr"/>
-          <a:p>
-            <a:pPr algn="ctr"/>
-            <a:endParaRPr lang="zh-CN" altLang="en-US"/>
-          </a:p>
-        </p:txBody>
-      </p:sp>
-      <p:sp>
-        <p:nvSpPr>
-          <p:cNvPr id="13" name="矩形 12"/>
-          <p:cNvSpPr/>
-          <p:nvPr/>
-        </p:nvSpPr>
-        <p:spPr>
-          <a:xfrm>
-            <a:off x="9622155" y="4166235"/>
-            <a:ext cx="1301115" cy="313055"/>
-          </a:xfrm>
-          <a:prstGeom prst="rect">
-            <a:avLst/>
-          </a:prstGeom>
-          <a:noFill/>
-          <a:ln w="28575">
-            <a:solidFill>
-              <a:srgbClr val="FF0000"/>
-            </a:solidFill>
-          </a:ln>
-          <a:extLst>
-            <a:ext uri="{909E8E84-426E-40DD-AFC4-6F175D3DCCD1}">
-              <a14:hiddenFill xmlns:a14="http://schemas.microsoft.com/office/drawing/2010/main">
-                <a:solidFill>
-                  <a:schemeClr val="accent1"/>
-                </a:solidFill>
-              </a14:hiddenFill>
-            </a:ext>
-          </a:extLst>
-        </p:spPr>
-        <p:style>
-          <a:lnRef idx="2">
-            <a:schemeClr val="accent1">
-              <a:shade val="50000"/>
-            </a:schemeClr>
-          </a:lnRef>
-          <a:fillRef idx="1">
-            <a:schemeClr val="accent1"/>
-          </a:fillRef>
-          <a:effectRef idx="0">
-            <a:schemeClr val="accent1"/>
-          </a:effectRef>
-          <a:fontRef idx="minor">
-            <a:schemeClr val="lt1"/>
-          </a:fontRef>
-        </p:style>
-        <p:txBody>
-          <a:bodyPr rtlCol="0" anchor="ctr"/>
-          <a:p>
-            <a:pPr algn="ctr"/>
-            <a:endParaRPr lang="zh-CN" altLang="en-US"/>
-          </a:p>
-        </p:txBody>
-      </p:sp>
-      <p:sp>
-        <p:nvSpPr>
-          <p:cNvPr id="15" name="矩形 14"/>
-          <p:cNvSpPr/>
-          <p:nvPr/>
-        </p:nvSpPr>
-        <p:spPr>
-          <a:xfrm>
-            <a:off x="8545830" y="4479290"/>
-            <a:ext cx="1076325" cy="204470"/>
-          </a:xfrm>
-          <a:prstGeom prst="rect">
-            <a:avLst/>
-          </a:prstGeom>
-          <a:noFill/>
-          <a:ln w="28575">
-            <a:solidFill>
-              <a:srgbClr val="FF0000"/>
-            </a:solidFill>
-          </a:ln>
-          <a:extLst>
-            <a:ext uri="{909E8E84-426E-40DD-AFC4-6F175D3DCCD1}">
-              <a14:hiddenFill xmlns:a14="http://schemas.microsoft.com/office/drawing/2010/main">
-                <a:solidFill>
-                  <a:schemeClr val="accent1"/>
-                </a:solidFill>
-              </a14:hiddenFill>
-            </a:ext>
-          </a:extLst>
-        </p:spPr>
-        <p:style>
-          <a:lnRef idx="2">
-            <a:schemeClr val="accent1">
-              <a:shade val="50000"/>
-            </a:schemeClr>
-          </a:lnRef>
-          <a:fillRef idx="1">
-            <a:schemeClr val="accent1"/>
-          </a:fillRef>
-          <a:effectRef idx="0">
-            <a:schemeClr val="accent1"/>
-          </a:effectRef>
-          <a:fontRef idx="minor">
-            <a:schemeClr val="lt1"/>
-          </a:fontRef>
-        </p:style>
-        <p:txBody>
-          <a:bodyPr rtlCol="0" anchor="ctr"/>
-          <a:p>
-            <a:pPr algn="ctr"/>
-            <a:endParaRPr lang="zh-CN" altLang="en-US"/>
-          </a:p>
-        </p:txBody>
-      </p:sp>
-      <p:sp>
-        <p:nvSpPr>
-          <p:cNvPr id="16" name="矩形 15"/>
-          <p:cNvSpPr/>
-          <p:nvPr/>
-        </p:nvSpPr>
-        <p:spPr>
-          <a:xfrm>
-            <a:off x="2420620" y="4488815"/>
-            <a:ext cx="588010" cy="194945"/>
-          </a:xfrm>
-          <a:prstGeom prst="rect">
-            <a:avLst/>
-          </a:prstGeom>
-          <a:noFill/>
-          <a:ln w="28575">
-            <a:solidFill>
-              <a:srgbClr val="F684FD"/>
-            </a:solidFill>
-          </a:ln>
-          <a:extLst>
-            <a:ext uri="{909E8E84-426E-40DD-AFC4-6F175D3DCCD1}">
-              <a14:hiddenFill xmlns:a14="http://schemas.microsoft.com/office/drawing/2010/main">
-                <a:solidFill>
-                  <a:schemeClr val="accent1"/>
-                </a:solidFill>
-              </a14:hiddenFill>
-            </a:ext>
-          </a:extLst>
-        </p:spPr>
-        <p:style>
-          <a:lnRef idx="2">
-            <a:schemeClr val="accent1">
-              <a:shade val="50000"/>
-            </a:schemeClr>
-          </a:lnRef>
-          <a:fillRef idx="1">
-            <a:schemeClr val="accent1"/>
-          </a:fillRef>
-          <a:effectRef idx="0">
-            <a:schemeClr val="accent1"/>
-          </a:effectRef>
-          <a:fontRef idx="minor">
-            <a:schemeClr val="lt1"/>
-          </a:fontRef>
-        </p:style>
-        <p:txBody>
-          <a:bodyPr rtlCol="0" anchor="ctr"/>
-          <a:p>
-            <a:pPr algn="ctr"/>
-            <a:endParaRPr lang="zh-CN" altLang="en-US"/>
-          </a:p>
-        </p:txBody>
-      </p:sp>
-      <p:sp>
-        <p:nvSpPr>
-          <p:cNvPr id="17" name="矩形 16"/>
-          <p:cNvSpPr/>
-          <p:nvPr/>
-        </p:nvSpPr>
-        <p:spPr>
-          <a:xfrm>
-            <a:off x="6304280" y="4489450"/>
-            <a:ext cx="588010" cy="194945"/>
-          </a:xfrm>
-          <a:prstGeom prst="rect">
-            <a:avLst/>
-          </a:prstGeom>
-          <a:noFill/>
-          <a:ln w="28575">
-            <a:solidFill>
-              <a:srgbClr val="F684FD"/>
             </a:solidFill>
           </a:ln>
           <a:extLst>
@@ -7144,29 +6722,30 @@
       </p:sp>
       <p:sp>
         <p:nvSpPr>
-          <p:cNvPr id="19" name="矩形 18"/>
+          <p:cNvPr id="6" name="矩形 5"/>
           <p:cNvSpPr/>
           <p:nvPr/>
         </p:nvSpPr>
         <p:spPr>
           <a:xfrm>
-            <a:off x="6798945" y="4166235"/>
-            <a:ext cx="1190625" cy="323215"/>
+            <a:off x="883920" y="3980180"/>
+            <a:ext cx="10255885" cy="186055"/>
           </a:xfrm>
           <a:prstGeom prst="rect">
             <a:avLst/>
           </a:prstGeom>
           <a:noFill/>
-          <a:ln w="28575">
+          <a:ln w="38100">
             <a:solidFill>
-              <a:srgbClr val="FFFF00"/>
+              <a:srgbClr val="6DF707"/>
             </a:solidFill>
+            <a:prstDash val="solid"/>
           </a:ln>
           <a:extLst>
             <a:ext uri="{909E8E84-426E-40DD-AFC4-6F175D3DCCD1}">
               <a14:hiddenFill xmlns:a14="http://schemas.microsoft.com/office/drawing/2010/main">
                 <a:solidFill>
-                  <a:schemeClr val="accent1"/>
+                  <a:schemeClr val="lt1"/>
                 </a:solidFill>
               </a14:hiddenFill>
             </a:ext>
@@ -7174,18 +6753,121 @@
         </p:spPr>
         <p:style>
           <a:lnRef idx="2">
-            <a:schemeClr val="accent1">
-              <a:shade val="50000"/>
-            </a:schemeClr>
+            <a:schemeClr val="accent6"/>
           </a:lnRef>
           <a:fillRef idx="1">
-            <a:schemeClr val="accent1"/>
+            <a:schemeClr val="lt1"/>
           </a:fillRef>
           <a:effectRef idx="0">
-            <a:schemeClr val="accent1"/>
+            <a:schemeClr val="accent6"/>
           </a:effectRef>
           <a:fontRef idx="minor">
+            <a:schemeClr val="dk1"/>
+          </a:fontRef>
+        </p:style>
+        <p:txBody>
+          <a:bodyPr rtlCol="0" anchor="ctr"/>
+          <a:p>
+            <a:pPr algn="ctr"/>
+            <a:endParaRPr lang="zh-CN" altLang="en-US"/>
+          </a:p>
+        </p:txBody>
+      </p:sp>
+      <p:sp>
+        <p:nvSpPr>
+          <p:cNvPr id="20" name="椭圆 19"/>
+          <p:cNvSpPr/>
+          <p:nvPr/>
+        </p:nvSpPr>
+        <p:spPr>
+          <a:xfrm>
+            <a:off x="270510" y="3921760"/>
+            <a:ext cx="673735" cy="303530"/>
+          </a:xfrm>
+          <a:prstGeom prst="ellipse">
+            <a:avLst/>
+          </a:prstGeom>
+          <a:noFill/>
+          <a:ln>
+            <a:solidFill>
+              <a:srgbClr val="6DF707"/>
+            </a:solidFill>
+          </a:ln>
+          <a:extLst>
+            <a:ext uri="{909E8E84-426E-40DD-AFC4-6F175D3DCCD1}">
+              <a14:hiddenFill xmlns:a14="http://schemas.microsoft.com/office/drawing/2010/main">
+                <a:solidFill>
+                  <a:schemeClr val="lt1"/>
+                </a:solidFill>
+              </a14:hiddenFill>
+            </a:ext>
+          </a:extLst>
+        </p:spPr>
+        <p:style>
+          <a:lnRef idx="2">
+            <a:schemeClr val="accent2"/>
+          </a:lnRef>
+          <a:fillRef idx="1">
             <a:schemeClr val="lt1"/>
+          </a:fillRef>
+          <a:effectRef idx="0">
+            <a:schemeClr val="accent2"/>
+          </a:effectRef>
+          <a:fontRef idx="minor">
+            <a:schemeClr val="dk1"/>
+          </a:fontRef>
+        </p:style>
+        <p:txBody>
+          <a:bodyPr rtlCol="0" anchor="ctr"/>
+          <a:p>
+            <a:pPr algn="ctr"/>
+            <a:endParaRPr lang="zh-CN" altLang="en-US"/>
+          </a:p>
+        </p:txBody>
+      </p:sp>
+      <p:sp>
+        <p:nvSpPr>
+          <p:cNvPr id="21" name="矩形 20"/>
+          <p:cNvSpPr/>
+          <p:nvPr/>
+        </p:nvSpPr>
+        <p:spPr>
+          <a:xfrm>
+            <a:off x="1450975" y="4478655"/>
+            <a:ext cx="8997950" cy="177165"/>
+          </a:xfrm>
+          <a:prstGeom prst="rect">
+            <a:avLst/>
+          </a:prstGeom>
+          <a:noFill/>
+          <a:ln w="38100">
+            <a:solidFill>
+              <a:srgbClr val="6DF707"/>
+            </a:solidFill>
+            <a:prstDash val="solid"/>
+          </a:ln>
+          <a:extLst>
+            <a:ext uri="{909E8E84-426E-40DD-AFC4-6F175D3DCCD1}">
+              <a14:hiddenFill xmlns:a14="http://schemas.microsoft.com/office/drawing/2010/main">
+                <a:solidFill>
+                  <a:schemeClr val="lt1"/>
+                </a:solidFill>
+              </a14:hiddenFill>
+            </a:ext>
+          </a:extLst>
+        </p:spPr>
+        <p:style>
+          <a:lnRef idx="2">
+            <a:schemeClr val="accent6"/>
+          </a:lnRef>
+          <a:fillRef idx="1">
+            <a:schemeClr val="lt1"/>
+          </a:fillRef>
+          <a:effectRef idx="0">
+            <a:schemeClr val="accent6"/>
+          </a:effectRef>
+          <a:fontRef idx="minor">
+            <a:schemeClr val="dk1"/>
           </a:fontRef>
         </p:style>
         <p:txBody>
@@ -10790,9 +10472,9 @@
                     <a:lumOff val="35000"/>
                   </a:schemeClr>
                 </a:solidFill>
-                <a:latin typeface="Segoe UI" panose="020B0502040204020203" pitchFamily="34" charset="0"/>
-                <a:ea typeface="Segoe UI" panose="020B0502040204020203" pitchFamily="34" charset="0"/>
-                <a:cs typeface="Segoe UI" panose="020B0502040204020203" pitchFamily="34" charset="0"/>
+                <a:latin typeface="华文楷体" panose="02010600040101010101" charset="-122"/>
+                <a:ea typeface="华文楷体" panose="02010600040101010101" charset="-122"/>
+                <a:cs typeface="华文楷体" panose="02010600040101010101" charset="-122"/>
               </a:rPr>
               <a:t>	DenseaTCN在翻译过程中使用3D-CNN进行视觉表达，设计了一个时间卷积(TC)运算，计算n个相邻特征，以捕获每个卷积层的局部内容。然后，将TC扩展为密集的层次结构，并使用它来学习全局模式上下文。在k</a:t>
             </a:r>
@@ -10804,9 +10486,9 @@
                     <a:lumOff val="35000"/>
                   </a:schemeClr>
                 </a:solidFill>
-                <a:latin typeface="Segoe UI" panose="020B0502040204020203" pitchFamily="34" charset="0"/>
-                <a:ea typeface="Segoe UI" panose="020B0502040204020203" pitchFamily="34" charset="0"/>
-                <a:cs typeface="Segoe UI" panose="020B0502040204020203" pitchFamily="34" charset="0"/>
+                <a:latin typeface="华文楷体" panose="02010600040101010101" charset="-122"/>
+                <a:ea typeface="华文楷体" panose="02010600040101010101" charset="-122"/>
+                <a:cs typeface="华文楷体" panose="02010600040101010101" charset="-122"/>
               </a:rPr>
               <a:t>th</a:t>
             </a:r>
@@ -10818,9 +10500,9 @@
                     <a:lumOff val="35000"/>
                   </a:schemeClr>
                 </a:solidFill>
-                <a:latin typeface="Segoe UI" panose="020B0502040204020203" pitchFamily="34" charset="0"/>
-                <a:ea typeface="Segoe UI" panose="020B0502040204020203" pitchFamily="34" charset="0"/>
-                <a:cs typeface="Segoe UI" panose="020B0502040204020203" pitchFamily="34" charset="0"/>
+                <a:latin typeface="华文楷体" panose="02010600040101010101" charset="-122"/>
+                <a:ea typeface="华文楷体" panose="02010600040101010101" charset="-122"/>
+                <a:cs typeface="华文楷体" panose="02010600040101010101" charset="-122"/>
               </a:rPr>
               <a:t>TC层中将前面各层的输出集成在一起</a:t>
             </a:r>
@@ -10832,9 +10514,9 @@
                     <a:lumOff val="35000"/>
                   </a:schemeClr>
                 </a:solidFill>
-                <a:latin typeface="Segoe UI" panose="020B0502040204020203" pitchFamily="34" charset="0"/>
-                <a:ea typeface="宋体" panose="02010600030101010101" pitchFamily="2" charset="-122"/>
-                <a:cs typeface="Segoe UI" panose="020B0502040204020203" pitchFamily="34" charset="0"/>
+                <a:latin typeface="华文楷体" panose="02010600040101010101" charset="-122"/>
+                <a:ea typeface="华文楷体" panose="02010600040101010101" charset="-122"/>
+                <a:cs typeface="华文楷体" panose="02010600040101010101" charset="-122"/>
               </a:rPr>
               <a:t>，</a:t>
             </a:r>
@@ -10846,9 +10528,9 @@
                     <a:lumOff val="35000"/>
                   </a:schemeClr>
                 </a:solidFill>
-                <a:latin typeface="Segoe UI" panose="020B0502040204020203" pitchFamily="34" charset="0"/>
-                <a:ea typeface="Segoe UI" panose="020B0502040204020203" pitchFamily="34" charset="0"/>
-                <a:cs typeface="Segoe UI" panose="020B0502040204020203" pitchFamily="34" charset="0"/>
+                <a:latin typeface="华文楷体" panose="02010600040101010101" charset="-122"/>
+                <a:ea typeface="华文楷体" panose="02010600040101010101" charset="-122"/>
+                <a:cs typeface="华文楷体" panose="02010600040101010101" charset="-122"/>
               </a:rPr>
               <a:t>从</a:t>
             </a:r>
@@ -10860,9 +10542,9 @@
                     <a:lumOff val="35000"/>
                   </a:schemeClr>
                 </a:solidFill>
-                <a:latin typeface="Segoe UI" panose="020B0502040204020203" pitchFamily="34" charset="0"/>
-                <a:ea typeface="Segoe UI" panose="020B0502040204020203" pitchFamily="34" charset="0"/>
-                <a:cs typeface="Segoe UI" panose="020B0502040204020203" pitchFamily="34" charset="0"/>
+                <a:latin typeface="华文楷体" panose="02010600040101010101" charset="-122"/>
+                <a:ea typeface="华文楷体" panose="02010600040101010101" charset="-122"/>
+                <a:cs typeface="华文楷体" panose="02010600040101010101" charset="-122"/>
                 <a:sym typeface="+mn-ea"/>
               </a:rPr>
               <a:t>短期和长期顺序学习</a:t>
@@ -10875,9 +10557,9 @@
                     <a:lumOff val="35000"/>
                   </a:schemeClr>
                 </a:solidFill>
-                <a:latin typeface="Segoe UI" panose="020B0502040204020203" pitchFamily="34" charset="0"/>
-                <a:ea typeface="Segoe UI" panose="020B0502040204020203" pitchFamily="34" charset="0"/>
-                <a:cs typeface="Segoe UI" panose="020B0502040204020203" pitchFamily="34" charset="0"/>
+                <a:latin typeface="华文楷体" panose="02010600040101010101" charset="-122"/>
+                <a:ea typeface="华文楷体" panose="02010600040101010101" charset="-122"/>
+                <a:cs typeface="华文楷体" panose="02010600040101010101" charset="-122"/>
               </a:rPr>
               <a:t>角度解决SLT问题。最后，采用CTC找到输入和目标序列之间各种对齐距离的概率之和最大的解码句子</a:t>
             </a:r>
@@ -10889,9 +10571,9 @@
                     <a:lumOff val="35000"/>
                   </a:schemeClr>
                 </a:solidFill>
-                <a:latin typeface="Segoe UI" panose="020B0502040204020203" pitchFamily="34" charset="0"/>
-                <a:ea typeface="宋体" panose="02010600030101010101" pitchFamily="2" charset="-122"/>
-                <a:cs typeface="Segoe UI" panose="020B0502040204020203" pitchFamily="34" charset="0"/>
+                <a:latin typeface="华文楷体" panose="02010600040101010101" charset="-122"/>
+                <a:ea typeface="华文楷体" panose="02010600040101010101" charset="-122"/>
+                <a:cs typeface="华文楷体" panose="02010600040101010101" charset="-122"/>
               </a:rPr>
               <a:t>，为序列到序列学习提供了一种端到端训练策略，通过</a:t>
             </a:r>
@@ -10903,9 +10585,9 @@
                     <a:lumOff val="35000"/>
                   </a:schemeClr>
                 </a:solidFill>
-                <a:latin typeface="Segoe UI" panose="020B0502040204020203" pitchFamily="34" charset="0"/>
-                <a:ea typeface="Segoe UI" panose="020B0502040204020203" pitchFamily="34" charset="0"/>
-                <a:cs typeface="Segoe UI" panose="020B0502040204020203" pitchFamily="34" charset="0"/>
+                <a:latin typeface="华文楷体" panose="02010600040101010101" charset="-122"/>
+                <a:ea typeface="华文楷体" panose="02010600040101010101" charset="-122"/>
+                <a:cs typeface="华文楷体" panose="02010600040101010101" charset="-122"/>
                 <a:sym typeface="+mn-ea"/>
               </a:rPr>
               <a:t>丢失和融合策略学习特征分类并生成翻译句子。</a:t>
@@ -10917,9 +10599,9 @@
                   <a:lumOff val="35000"/>
                 </a:schemeClr>
               </a:solidFill>
-              <a:latin typeface="Segoe UI" panose="020B0502040204020203" pitchFamily="34" charset="0"/>
-              <a:ea typeface="宋体" panose="02010600030101010101" pitchFamily="2" charset="-122"/>
-              <a:cs typeface="Segoe UI" panose="020B0502040204020203" pitchFamily="34" charset="0"/>
+              <a:latin typeface="华文楷体" panose="02010600040101010101" charset="-122"/>
+              <a:ea typeface="华文楷体" panose="02010600040101010101" charset="-122"/>
+              <a:cs typeface="华文楷体" panose="02010600040101010101" charset="-122"/>
             </a:endParaRPr>
           </a:p>
         </p:txBody>
@@ -12128,6 +11810,858 @@
         </p:nvSpPr>
         <p:spPr>
           <a:xfrm>
+            <a:off x="-9525" y="-1"/>
+            <a:ext cx="12192000" cy="6858000"/>
+          </a:xfrm>
+          <a:custGeom>
+            <a:avLst/>
+            <a:gdLst>
+              <a:gd name="connsiteX0" fmla="*/ 0 w 12192000"/>
+              <a:gd name="connsiteY0" fmla="*/ 0 h 6858000"/>
+              <a:gd name="connsiteX1" fmla="*/ 12192000 w 12192000"/>
+              <a:gd name="connsiteY1" fmla="*/ 0 h 6858000"/>
+              <a:gd name="connsiteX2" fmla="*/ 12192000 w 12192000"/>
+              <a:gd name="connsiteY2" fmla="*/ 6858000 h 6858000"/>
+              <a:gd name="connsiteX3" fmla="*/ 0 w 12192000"/>
+              <a:gd name="connsiteY3" fmla="*/ 6858000 h 6858000"/>
+              <a:gd name="connsiteX4" fmla="*/ 0 w 12192000"/>
+              <a:gd name="connsiteY4" fmla="*/ 0 h 6858000"/>
+              <a:gd name="connsiteX5" fmla="*/ 133165 w 12192000"/>
+              <a:gd name="connsiteY5" fmla="*/ 142043 h 6858000"/>
+              <a:gd name="connsiteX6" fmla="*/ 133165 w 12192000"/>
+              <a:gd name="connsiteY6" fmla="*/ 6711518 h 6858000"/>
+              <a:gd name="connsiteX7" fmla="*/ 12029243 w 12192000"/>
+              <a:gd name="connsiteY7" fmla="*/ 6711518 h 6858000"/>
+              <a:gd name="connsiteX8" fmla="*/ 12029243 w 12192000"/>
+              <a:gd name="connsiteY8" fmla="*/ 142043 h 6858000"/>
+              <a:gd name="connsiteX9" fmla="*/ 133165 w 12192000"/>
+              <a:gd name="connsiteY9" fmla="*/ 142043 h 6858000"/>
+            </a:gdLst>
+            <a:ahLst/>
+            <a:cxnLst>
+              <a:cxn ang="0">
+                <a:pos x="connsiteX0" y="connsiteY0"/>
+              </a:cxn>
+              <a:cxn ang="0">
+                <a:pos x="connsiteX1" y="connsiteY1"/>
+              </a:cxn>
+              <a:cxn ang="0">
+                <a:pos x="connsiteX2" y="connsiteY2"/>
+              </a:cxn>
+              <a:cxn ang="0">
+                <a:pos x="connsiteX3" y="connsiteY3"/>
+              </a:cxn>
+              <a:cxn ang="0">
+                <a:pos x="connsiteX4" y="connsiteY4"/>
+              </a:cxn>
+              <a:cxn ang="0">
+                <a:pos x="connsiteX5" y="connsiteY5"/>
+              </a:cxn>
+              <a:cxn ang="0">
+                <a:pos x="connsiteX6" y="connsiteY6"/>
+              </a:cxn>
+              <a:cxn ang="0">
+                <a:pos x="connsiteX7" y="connsiteY7"/>
+              </a:cxn>
+              <a:cxn ang="0">
+                <a:pos x="connsiteX8" y="connsiteY8"/>
+              </a:cxn>
+              <a:cxn ang="0">
+                <a:pos x="connsiteX9" y="connsiteY9"/>
+              </a:cxn>
+            </a:cxnLst>
+            <a:rect l="l" t="t" r="r" b="b"/>
+            <a:pathLst>
+              <a:path w="12192000" h="6858000">
+                <a:moveTo>
+                  <a:pt x="0" y="0"/>
+                </a:moveTo>
+                <a:lnTo>
+                  <a:pt x="12192000" y="0"/>
+                </a:lnTo>
+                <a:lnTo>
+                  <a:pt x="12192000" y="6858000"/>
+                </a:lnTo>
+                <a:lnTo>
+                  <a:pt x="0" y="6858000"/>
+                </a:lnTo>
+                <a:lnTo>
+                  <a:pt x="0" y="0"/>
+                </a:lnTo>
+                <a:close/>
+                <a:moveTo>
+                  <a:pt x="133165" y="142043"/>
+                </a:moveTo>
+                <a:lnTo>
+                  <a:pt x="133165" y="6711518"/>
+                </a:lnTo>
+                <a:lnTo>
+                  <a:pt x="12029243" y="6711518"/>
+                </a:lnTo>
+                <a:lnTo>
+                  <a:pt x="12029243" y="142043"/>
+                </a:lnTo>
+                <a:lnTo>
+                  <a:pt x="133165" y="142043"/>
+                </a:lnTo>
+                <a:close/>
+              </a:path>
+            </a:pathLst>
+          </a:custGeom>
+          <a:solidFill>
+            <a:srgbClr val="942D2E"/>
+          </a:solidFill>
+          <a:ln>
+            <a:noFill/>
+          </a:ln>
+        </p:spPr>
+        <p:style>
+          <a:lnRef idx="2">
+            <a:schemeClr val="accent1">
+              <a:shade val="50000"/>
+            </a:schemeClr>
+          </a:lnRef>
+          <a:fillRef idx="1">
+            <a:schemeClr val="accent1"/>
+          </a:fillRef>
+          <a:effectRef idx="0">
+            <a:schemeClr val="accent1"/>
+          </a:effectRef>
+          <a:fontRef idx="minor">
+            <a:schemeClr val="lt1"/>
+          </a:fontRef>
+        </p:style>
+        <p:txBody>
+          <a:bodyPr rtlCol="0" anchor="ctr"/>
+          <a:lstStyle/>
+          <a:p>
+            <a:pPr algn="ctr"/>
+            <a:endParaRPr lang="zh-CN" altLang="en-US"/>
+          </a:p>
+        </p:txBody>
+      </p:sp>
+      <p:pic>
+        <p:nvPicPr>
+          <p:cNvPr id="4" name="图片 4"/>
+          <p:cNvPicPr>
+            <a:picLocks noChangeAspect="1"/>
+          </p:cNvPicPr>
+          <p:nvPr/>
+        </p:nvPicPr>
+        <p:blipFill>
+          <a:blip r:embed="rId1"/>
+          <a:stretch>
+            <a:fillRect/>
+          </a:stretch>
+        </p:blipFill>
+        <p:spPr>
+          <a:xfrm>
+            <a:off x="4178300" y="1224280"/>
+            <a:ext cx="7708900" cy="4409440"/>
+          </a:xfrm>
+          <a:prstGeom prst="rect">
+            <a:avLst/>
+          </a:prstGeom>
+          <a:noFill/>
+          <a:ln>
+            <a:noFill/>
+          </a:ln>
+        </p:spPr>
+      </p:pic>
+      <p:sp>
+        <p:nvSpPr>
+          <p:cNvPr id="24" name="TextBox 51"/>
+          <p:cNvSpPr txBox="1">
+            <a:spLocks noChangeArrowheads="1"/>
+          </p:cNvSpPr>
+          <p:nvPr/>
+        </p:nvSpPr>
+        <p:spPr bwMode="auto">
+          <a:xfrm>
+            <a:off x="952560" y="583883"/>
+            <a:ext cx="2842895" cy="583565"/>
+          </a:xfrm>
+          <a:prstGeom prst="rect">
+            <a:avLst/>
+          </a:prstGeom>
+          <a:noFill/>
+          <a:ln>
+            <a:noFill/>
+          </a:ln>
+          <a:extLst>
+            <a:ext uri="{909E8E84-426E-40DD-AFC4-6F175D3DCCD1}">
+              <a14:hiddenFill xmlns:a14="http://schemas.microsoft.com/office/drawing/2010/main">
+                <a:solidFill>
+                  <a:srgbClr val="FFFFFF"/>
+                </a:solidFill>
+              </a14:hiddenFill>
+            </a:ext>
+            <a:ext uri="{91240B29-F687-4F45-9708-019B960494DF}">
+              <a14:hiddenLine xmlns:a14="http://schemas.microsoft.com/office/drawing/2010/main" w="9525">
+                <a:solidFill>
+                  <a:srgbClr val="000000"/>
+                </a:solidFill>
+                <a:miter lim="800000"/>
+                <a:headEnd/>
+                <a:tailEnd/>
+              </a14:hiddenLine>
+            </a:ext>
+          </a:extLst>
+        </p:spPr>
+        <p:txBody>
+          <a:bodyPr wrap="none">
+            <a:spAutoFit/>
+          </a:bodyPr>
+          <a:lstStyle>
+            <a:lvl1pPr>
+              <a:defRPr>
+                <a:solidFill>
+                  <a:schemeClr val="tx1"/>
+                </a:solidFill>
+                <a:latin typeface="Calibri" panose="020F0502020204030204" pitchFamily="34" charset="0"/>
+              </a:defRPr>
+            </a:lvl1pPr>
+            <a:lvl2pPr marL="742950" indent="-285750">
+              <a:defRPr>
+                <a:solidFill>
+                  <a:schemeClr val="tx1"/>
+                </a:solidFill>
+                <a:latin typeface="Calibri" panose="020F0502020204030204" pitchFamily="34" charset="0"/>
+              </a:defRPr>
+            </a:lvl2pPr>
+            <a:lvl3pPr marL="1143000" indent="-228600">
+              <a:defRPr>
+                <a:solidFill>
+                  <a:schemeClr val="tx1"/>
+                </a:solidFill>
+                <a:latin typeface="Calibri" panose="020F0502020204030204" pitchFamily="34" charset="0"/>
+              </a:defRPr>
+            </a:lvl3pPr>
+            <a:lvl4pPr marL="1600200" indent="-228600">
+              <a:defRPr>
+                <a:solidFill>
+                  <a:schemeClr val="tx1"/>
+                </a:solidFill>
+                <a:latin typeface="Calibri" panose="020F0502020204030204" pitchFamily="34" charset="0"/>
+              </a:defRPr>
+            </a:lvl4pPr>
+            <a:lvl5pPr marL="2057400" indent="-228600">
+              <a:defRPr>
+                <a:solidFill>
+                  <a:schemeClr val="tx1"/>
+                </a:solidFill>
+                <a:latin typeface="Calibri" panose="020F0502020204030204" pitchFamily="34" charset="0"/>
+              </a:defRPr>
+            </a:lvl5pPr>
+            <a:lvl6pPr marL="2514600" indent="-228600" defTabSz="913130" fontAlgn="base">
+              <a:spcBef>
+                <a:spcPct val="0"/>
+              </a:spcBef>
+              <a:spcAft>
+                <a:spcPct val="0"/>
+              </a:spcAft>
+              <a:defRPr>
+                <a:solidFill>
+                  <a:schemeClr val="tx1"/>
+                </a:solidFill>
+                <a:latin typeface="Calibri" panose="020F0502020204030204" pitchFamily="34" charset="0"/>
+              </a:defRPr>
+            </a:lvl6pPr>
+            <a:lvl7pPr marL="2971800" indent="-228600" defTabSz="913130" fontAlgn="base">
+              <a:spcBef>
+                <a:spcPct val="0"/>
+              </a:spcBef>
+              <a:spcAft>
+                <a:spcPct val="0"/>
+              </a:spcAft>
+              <a:defRPr>
+                <a:solidFill>
+                  <a:schemeClr val="tx1"/>
+                </a:solidFill>
+                <a:latin typeface="Calibri" panose="020F0502020204030204" pitchFamily="34" charset="0"/>
+              </a:defRPr>
+            </a:lvl7pPr>
+            <a:lvl8pPr marL="3429000" indent="-228600" defTabSz="913130" fontAlgn="base">
+              <a:spcBef>
+                <a:spcPct val="0"/>
+              </a:spcBef>
+              <a:spcAft>
+                <a:spcPct val="0"/>
+              </a:spcAft>
+              <a:defRPr>
+                <a:solidFill>
+                  <a:schemeClr val="tx1"/>
+                </a:solidFill>
+                <a:latin typeface="Calibri" panose="020F0502020204030204" pitchFamily="34" charset="0"/>
+              </a:defRPr>
+            </a:lvl8pPr>
+            <a:lvl9pPr marL="3886200" indent="-228600" defTabSz="913130" fontAlgn="base">
+              <a:spcBef>
+                <a:spcPct val="0"/>
+              </a:spcBef>
+              <a:spcAft>
+                <a:spcPct val="0"/>
+              </a:spcAft>
+              <a:defRPr>
+                <a:solidFill>
+                  <a:schemeClr val="tx1"/>
+                </a:solidFill>
+                <a:latin typeface="Calibri" panose="020F0502020204030204" pitchFamily="34" charset="0"/>
+              </a:defRPr>
+            </a:lvl9pPr>
+          </a:lstStyle>
+          <a:p>
+            <a:pPr eaLnBrk="1" hangingPunct="1"/>
+            <a:r>
+              <a:rPr lang="en-US" altLang="zh-CN" sz="3200" b="1" dirty="0">
+                <a:solidFill>
+                  <a:schemeClr val="tx1">
+                    <a:lumMod val="75000"/>
+                    <a:lumOff val="25000"/>
+                  </a:schemeClr>
+                </a:solidFill>
+                <a:latin typeface="微软雅黑" panose="020B0503020204020204" pitchFamily="34" charset="-122"/>
+                <a:ea typeface="微软雅黑" panose="020B0503020204020204" pitchFamily="34" charset="-122"/>
+                <a:cs typeface="Open Sans" panose="020B0606030504020204" pitchFamily="34" charset="0"/>
+              </a:rPr>
+              <a:t>k</a:t>
+            </a:r>
+            <a:r>
+              <a:rPr lang="en-US" altLang="zh-CN" sz="3200" b="1" baseline="30000" dirty="0">
+                <a:solidFill>
+                  <a:schemeClr val="tx1">
+                    <a:lumMod val="75000"/>
+                    <a:lumOff val="25000"/>
+                  </a:schemeClr>
+                </a:solidFill>
+                <a:latin typeface="微软雅黑" panose="020B0503020204020204" pitchFamily="34" charset="-122"/>
+                <a:ea typeface="微软雅黑" panose="020B0503020204020204" pitchFamily="34" charset="-122"/>
+                <a:cs typeface="Open Sans" panose="020B0606030504020204" pitchFamily="34" charset="0"/>
+              </a:rPr>
+              <a:t>th</a:t>
+            </a:r>
+            <a:r>
+              <a:rPr lang="en-US" altLang="zh-CN" sz="3200" b="1" dirty="0">
+                <a:solidFill>
+                  <a:schemeClr val="tx1">
+                    <a:lumMod val="75000"/>
+                    <a:lumOff val="25000"/>
+                  </a:schemeClr>
+                </a:solidFill>
+                <a:latin typeface="微软雅黑" panose="020B0503020204020204" pitchFamily="34" charset="-122"/>
+                <a:ea typeface="微软雅黑" panose="020B0503020204020204" pitchFamily="34" charset="-122"/>
+                <a:cs typeface="Open Sans" panose="020B0606030504020204" pitchFamily="34" charset="0"/>
+              </a:rPr>
+              <a:t>TC</a:t>
+            </a:r>
+            <a:r>
+              <a:rPr lang="zh-CN" altLang="en-US" sz="3200" b="1" dirty="0">
+                <a:solidFill>
+                  <a:schemeClr val="tx1">
+                    <a:lumMod val="75000"/>
+                    <a:lumOff val="25000"/>
+                  </a:schemeClr>
+                </a:solidFill>
+                <a:latin typeface="微软雅黑" panose="020B0503020204020204" pitchFamily="34" charset="-122"/>
+                <a:ea typeface="微软雅黑" panose="020B0503020204020204" pitchFamily="34" charset="-122"/>
+                <a:cs typeface="Open Sans" panose="020B0606030504020204" pitchFamily="34" charset="0"/>
+              </a:rPr>
+              <a:t>操作过程</a:t>
+            </a:r>
+            <a:endParaRPr lang="zh-CN" altLang="en-US" sz="3200" b="1" dirty="0">
+              <a:solidFill>
+                <a:schemeClr val="tx1">
+                  <a:lumMod val="75000"/>
+                  <a:lumOff val="25000"/>
+                </a:schemeClr>
+              </a:solidFill>
+              <a:latin typeface="微软雅黑" panose="020B0503020204020204" pitchFamily="34" charset="-122"/>
+              <a:ea typeface="微软雅黑" panose="020B0503020204020204" pitchFamily="34" charset="-122"/>
+              <a:cs typeface="Open Sans" panose="020B0606030504020204" pitchFamily="34" charset="0"/>
+            </a:endParaRPr>
+          </a:p>
+        </p:txBody>
+      </p:sp>
+      <p:sp>
+        <p:nvSpPr>
+          <p:cNvPr id="56329" name="Rectangle 72"/>
+          <p:cNvSpPr>
+            <a:spLocks noChangeArrowheads="1"/>
+          </p:cNvSpPr>
+          <p:nvPr/>
+        </p:nvSpPr>
+        <p:spPr bwMode="auto">
+          <a:xfrm>
+            <a:off x="952500" y="1322070"/>
+            <a:ext cx="3343910" cy="5692775"/>
+          </a:xfrm>
+          <a:prstGeom prst="rect">
+            <a:avLst/>
+          </a:prstGeom>
+          <a:noFill/>
+          <a:ln>
+            <a:noFill/>
+          </a:ln>
+          <a:extLst>
+            <a:ext uri="{909E8E84-426E-40DD-AFC4-6F175D3DCCD1}">
+              <a14:hiddenFill xmlns:a14="http://schemas.microsoft.com/office/drawing/2010/main">
+                <a:solidFill>
+                  <a:srgbClr val="FFFFFF"/>
+                </a:solidFill>
+              </a14:hiddenFill>
+            </a:ext>
+            <a:ext uri="{91240B29-F687-4F45-9708-019B960494DF}">
+              <a14:hiddenLine xmlns:a14="http://schemas.microsoft.com/office/drawing/2010/main" w="9525">
+                <a:solidFill>
+                  <a:srgbClr val="000000"/>
+                </a:solidFill>
+                <a:miter lim="800000"/>
+                <a:headEnd/>
+                <a:tailEnd/>
+              </a14:hiddenLine>
+            </a:ext>
+          </a:extLst>
+        </p:spPr>
+        <p:txBody>
+          <a:bodyPr wrap="square">
+            <a:spAutoFit/>
+          </a:bodyPr>
+          <a:lstStyle>
+            <a:lvl1pPr>
+              <a:defRPr>
+                <a:solidFill>
+                  <a:schemeClr val="tx1"/>
+                </a:solidFill>
+                <a:latin typeface="Calibri" panose="020F0502020204030204" pitchFamily="34" charset="0"/>
+              </a:defRPr>
+            </a:lvl1pPr>
+            <a:lvl2pPr marL="742950" indent="-285750">
+              <a:defRPr>
+                <a:solidFill>
+                  <a:schemeClr val="tx1"/>
+                </a:solidFill>
+                <a:latin typeface="Calibri" panose="020F0502020204030204" pitchFamily="34" charset="0"/>
+              </a:defRPr>
+            </a:lvl2pPr>
+            <a:lvl3pPr marL="1143000" indent="-228600">
+              <a:defRPr>
+                <a:solidFill>
+                  <a:schemeClr val="tx1"/>
+                </a:solidFill>
+                <a:latin typeface="Calibri" panose="020F0502020204030204" pitchFamily="34" charset="0"/>
+              </a:defRPr>
+            </a:lvl3pPr>
+            <a:lvl4pPr marL="1600200" indent="-228600">
+              <a:defRPr>
+                <a:solidFill>
+                  <a:schemeClr val="tx1"/>
+                </a:solidFill>
+                <a:latin typeface="Calibri" panose="020F0502020204030204" pitchFamily="34" charset="0"/>
+              </a:defRPr>
+            </a:lvl4pPr>
+            <a:lvl5pPr marL="2057400" indent="-228600">
+              <a:defRPr>
+                <a:solidFill>
+                  <a:schemeClr val="tx1"/>
+                </a:solidFill>
+                <a:latin typeface="Calibri" panose="020F0502020204030204" pitchFamily="34" charset="0"/>
+              </a:defRPr>
+            </a:lvl5pPr>
+            <a:lvl6pPr marL="2514600" indent="-228600" defTabSz="913130" fontAlgn="base">
+              <a:spcBef>
+                <a:spcPct val="0"/>
+              </a:spcBef>
+              <a:spcAft>
+                <a:spcPct val="0"/>
+              </a:spcAft>
+              <a:defRPr>
+                <a:solidFill>
+                  <a:schemeClr val="tx1"/>
+                </a:solidFill>
+                <a:latin typeface="Calibri" panose="020F0502020204030204" pitchFamily="34" charset="0"/>
+              </a:defRPr>
+            </a:lvl6pPr>
+            <a:lvl7pPr marL="2971800" indent="-228600" defTabSz="913130" fontAlgn="base">
+              <a:spcBef>
+                <a:spcPct val="0"/>
+              </a:spcBef>
+              <a:spcAft>
+                <a:spcPct val="0"/>
+              </a:spcAft>
+              <a:defRPr>
+                <a:solidFill>
+                  <a:schemeClr val="tx1"/>
+                </a:solidFill>
+                <a:latin typeface="Calibri" panose="020F0502020204030204" pitchFamily="34" charset="0"/>
+              </a:defRPr>
+            </a:lvl7pPr>
+            <a:lvl8pPr marL="3429000" indent="-228600" defTabSz="913130" fontAlgn="base">
+              <a:spcBef>
+                <a:spcPct val="0"/>
+              </a:spcBef>
+              <a:spcAft>
+                <a:spcPct val="0"/>
+              </a:spcAft>
+              <a:defRPr>
+                <a:solidFill>
+                  <a:schemeClr val="tx1"/>
+                </a:solidFill>
+                <a:latin typeface="Calibri" panose="020F0502020204030204" pitchFamily="34" charset="0"/>
+              </a:defRPr>
+            </a:lvl8pPr>
+            <a:lvl9pPr marL="3886200" indent="-228600" defTabSz="913130" fontAlgn="base">
+              <a:spcBef>
+                <a:spcPct val="0"/>
+              </a:spcBef>
+              <a:spcAft>
+                <a:spcPct val="0"/>
+              </a:spcAft>
+              <a:defRPr>
+                <a:solidFill>
+                  <a:schemeClr val="tx1"/>
+                </a:solidFill>
+                <a:latin typeface="Calibri" panose="020F0502020204030204" pitchFamily="34" charset="0"/>
+              </a:defRPr>
+            </a:lvl9pPr>
+          </a:lstStyle>
+          <a:p>
+            <a:pPr marL="342900" indent="-342900" eaLnBrk="1" hangingPunct="1">
+              <a:lnSpc>
+                <a:spcPct val="130000"/>
+              </a:lnSpc>
+              <a:buFont typeface="Arial" panose="020B0604020202020204" pitchFamily="34" charset="0"/>
+              <a:buChar char="•"/>
+            </a:pPr>
+            <a:r>
+              <a:rPr lang="zh-CN" altLang="en-US" sz="2000">
+                <a:solidFill>
+                  <a:schemeClr val="tx1"/>
+                </a:solidFill>
+                <a:latin typeface="华文楷体" panose="02010600040101010101" charset="-122"/>
+                <a:ea typeface="华文楷体" panose="02010600040101010101" charset="-122"/>
+                <a:cs typeface="华文楷体" panose="02010600040101010101" charset="-122"/>
+              </a:rPr>
+              <a:t>d</a:t>
+            </a:r>
+            <a:r>
+              <a:rPr lang="en-US" altLang="zh-CN" sz="2000">
+                <a:solidFill>
+                  <a:schemeClr val="tx1"/>
+                </a:solidFill>
+                <a:latin typeface="华文楷体" panose="02010600040101010101" charset="-122"/>
+                <a:ea typeface="华文楷体" panose="02010600040101010101" charset="-122"/>
+                <a:cs typeface="华文楷体" panose="02010600040101010101" charset="-122"/>
+              </a:rPr>
+              <a:t>'</a:t>
+            </a:r>
+            <a:r>
+              <a:rPr lang="zh-CN" altLang="en-US" sz="2000">
+                <a:solidFill>
+                  <a:schemeClr val="tx1"/>
+                </a:solidFill>
+                <a:latin typeface="华文楷体" panose="02010600040101010101" charset="-122"/>
+                <a:ea typeface="华文楷体" panose="02010600040101010101" charset="-122"/>
+                <a:cs typeface="华文楷体" panose="02010600040101010101" charset="-122"/>
+              </a:rPr>
+              <a:t>维上的M个时间特征构成的特征矩阵作为输入，</a:t>
+            </a:r>
+            <a:r>
+              <a:rPr lang="zh-CN" altLang="en-US" sz="2000">
+                <a:solidFill>
+                  <a:schemeClr val="bg1">
+                    <a:lumMod val="85000"/>
+                  </a:schemeClr>
+                </a:solidFill>
+                <a:latin typeface="华文楷体" panose="02010600040101010101" charset="-122"/>
+                <a:ea typeface="华文楷体" panose="02010600040101010101" charset="-122"/>
+                <a:cs typeface="华文楷体" panose="02010600040101010101" charset="-122"/>
+              </a:rPr>
+              <a:t>这个矩阵是从</a:t>
+            </a:r>
+            <a:r>
+              <a:rPr lang="en-US" altLang="zh-CN" sz="2000">
+                <a:solidFill>
+                  <a:schemeClr val="bg1">
+                    <a:lumMod val="85000"/>
+                  </a:schemeClr>
+                </a:solidFill>
+                <a:latin typeface="华文楷体" panose="02010600040101010101" charset="-122"/>
+                <a:ea typeface="华文楷体" panose="02010600040101010101" charset="-122"/>
+                <a:cs typeface="华文楷体" panose="02010600040101010101" charset="-122"/>
+              </a:rPr>
+              <a:t>0</a:t>
+            </a:r>
+            <a:r>
+              <a:rPr lang="en-US" altLang="zh-CN" sz="2000" baseline="30000">
+                <a:solidFill>
+                  <a:schemeClr val="bg1">
+                    <a:lumMod val="85000"/>
+                  </a:schemeClr>
+                </a:solidFill>
+                <a:latin typeface="华文楷体" panose="02010600040101010101" charset="-122"/>
+                <a:ea typeface="华文楷体" panose="02010600040101010101" charset="-122"/>
+                <a:cs typeface="华文楷体" panose="02010600040101010101" charset="-122"/>
+              </a:rPr>
+              <a:t>th</a:t>
+            </a:r>
+            <a:r>
+              <a:rPr lang="zh-CN" altLang="en-US" sz="2000">
+                <a:solidFill>
+                  <a:schemeClr val="bg1">
+                    <a:lumMod val="85000"/>
+                  </a:schemeClr>
+                </a:solidFill>
+                <a:latin typeface="华文楷体" panose="02010600040101010101" charset="-122"/>
+                <a:ea typeface="华文楷体" panose="02010600040101010101" charset="-122"/>
+                <a:cs typeface="华文楷体" panose="02010600040101010101" charset="-122"/>
+              </a:rPr>
+              <a:t>到</a:t>
+            </a:r>
+            <a:r>
+              <a:rPr lang="en-US" altLang="zh-CN" sz="2000">
+                <a:solidFill>
+                  <a:schemeClr val="bg1">
+                    <a:lumMod val="85000"/>
+                  </a:schemeClr>
+                </a:solidFill>
+                <a:latin typeface="华文楷体" panose="02010600040101010101" charset="-122"/>
+                <a:ea typeface="华文楷体" panose="02010600040101010101" charset="-122"/>
+                <a:cs typeface="华文楷体" panose="02010600040101010101" charset="-122"/>
+              </a:rPr>
+              <a:t>(k-1)</a:t>
+            </a:r>
+            <a:r>
+              <a:rPr lang="en-US" altLang="zh-CN" sz="2000" baseline="30000">
+                <a:solidFill>
+                  <a:schemeClr val="bg1">
+                    <a:lumMod val="85000"/>
+                  </a:schemeClr>
+                </a:solidFill>
+                <a:latin typeface="华文楷体" panose="02010600040101010101" charset="-122"/>
+                <a:ea typeface="华文楷体" panose="02010600040101010101" charset="-122"/>
+                <a:cs typeface="华文楷体" panose="02010600040101010101" charset="-122"/>
+              </a:rPr>
+              <a:t>th</a:t>
+            </a:r>
+            <a:r>
+              <a:rPr lang="zh-CN" altLang="en-US" sz="2000">
+                <a:solidFill>
+                  <a:schemeClr val="bg1">
+                    <a:lumMod val="85000"/>
+                  </a:schemeClr>
+                </a:solidFill>
+                <a:latin typeface="华文楷体" panose="02010600040101010101" charset="-122"/>
+                <a:ea typeface="华文楷体" panose="02010600040101010101" charset="-122"/>
+                <a:cs typeface="华文楷体" panose="02010600040101010101" charset="-122"/>
+              </a:rPr>
+              <a:t>串联的输出</a:t>
+            </a:r>
+            <a:endParaRPr lang="zh-CN" altLang="en-US" sz="2000">
+              <a:solidFill>
+                <a:schemeClr val="bg1">
+                  <a:lumMod val="85000"/>
+                </a:schemeClr>
+              </a:solidFill>
+              <a:latin typeface="华文楷体" panose="02010600040101010101" charset="-122"/>
+              <a:ea typeface="华文楷体" panose="02010600040101010101" charset="-122"/>
+              <a:cs typeface="华文楷体" panose="02010600040101010101" charset="-122"/>
+            </a:endParaRPr>
+          </a:p>
+          <a:p>
+            <a:pPr marL="342900" indent="-342900" eaLnBrk="1" hangingPunct="1">
+              <a:lnSpc>
+                <a:spcPct val="130000"/>
+              </a:lnSpc>
+              <a:buFont typeface="Arial" panose="020B0604020202020204" pitchFamily="34" charset="0"/>
+              <a:buChar char="•"/>
+            </a:pPr>
+            <a:r>
+              <a:rPr lang="zh-CN" altLang="en-US" sz="2000">
+                <a:solidFill>
+                  <a:schemeClr val="tx1"/>
+                </a:solidFill>
+                <a:latin typeface="华文楷体" panose="02010600040101010101" charset="-122"/>
+                <a:ea typeface="华文楷体" panose="02010600040101010101" charset="-122"/>
+                <a:cs typeface="华文楷体" panose="02010600040101010101" charset="-122"/>
+              </a:rPr>
+              <a:t>利用滤波器</a:t>
+            </a:r>
+            <a:r>
+              <a:rPr lang="en-US" altLang="zh-CN" sz="2000">
+                <a:solidFill>
+                  <a:schemeClr val="tx1"/>
+                </a:solidFill>
+                <a:latin typeface="华文楷体" panose="02010600040101010101" charset="-122"/>
+                <a:ea typeface="华文楷体" panose="02010600040101010101" charset="-122"/>
+                <a:cs typeface="华文楷体" panose="02010600040101010101" charset="-122"/>
+              </a:rPr>
+              <a:t>(q)</a:t>
+            </a:r>
+            <a:r>
+              <a:rPr lang="zh-CN" altLang="en-US" sz="2000">
+                <a:latin typeface="华文楷体" panose="02010600040101010101" charset="-122"/>
+                <a:ea typeface="华文楷体" panose="02010600040101010101" charset="-122"/>
+                <a:cs typeface="华文楷体" panose="02010600040101010101" charset="-122"/>
+                <a:sym typeface="+mn-ea"/>
+              </a:rPr>
+              <a:t>从输入中获取动态视觉信息</a:t>
+            </a:r>
+            <a:r>
+              <a:rPr lang="zh-CN" altLang="en-US" sz="2000">
+                <a:solidFill>
+                  <a:schemeClr val="tx1"/>
+                </a:solidFill>
+                <a:latin typeface="华文楷体" panose="02010600040101010101" charset="-122"/>
+                <a:ea typeface="华文楷体" panose="02010600040101010101" charset="-122"/>
+                <a:cs typeface="华文楷体" panose="02010600040101010101" charset="-122"/>
+              </a:rPr>
+              <a:t>计算n项相邻特征</a:t>
+            </a:r>
+            <a:endParaRPr lang="zh-CN" altLang="en-US" sz="2000">
+              <a:solidFill>
+                <a:schemeClr val="tx1"/>
+              </a:solidFill>
+              <a:latin typeface="华文楷体" panose="02010600040101010101" charset="-122"/>
+              <a:ea typeface="华文楷体" panose="02010600040101010101" charset="-122"/>
+              <a:cs typeface="华文楷体" panose="02010600040101010101" charset="-122"/>
+            </a:endParaRPr>
+          </a:p>
+          <a:p>
+            <a:pPr marL="342900" indent="-342900" eaLnBrk="1" hangingPunct="1">
+              <a:lnSpc>
+                <a:spcPct val="130000"/>
+              </a:lnSpc>
+              <a:buFont typeface="Arial" panose="020B0604020202020204" pitchFamily="34" charset="0"/>
+              <a:buChar char="•"/>
+            </a:pPr>
+            <a:r>
+              <a:rPr lang="zh-CN" altLang="en-US" sz="2000">
+                <a:solidFill>
+                  <a:schemeClr val="tx1"/>
+                </a:solidFill>
+                <a:latin typeface="华文楷体" panose="02010600040101010101" charset="-122"/>
+                <a:ea typeface="华文楷体" panose="02010600040101010101" charset="-122"/>
+                <a:cs typeface="华文楷体" panose="02010600040101010101" charset="-122"/>
+              </a:rPr>
+              <a:t>n</a:t>
+            </a:r>
+            <a:r>
+              <a:rPr lang="en-US" altLang="zh-CN" sz="2000">
+                <a:solidFill>
+                  <a:schemeClr val="tx1"/>
+                </a:solidFill>
+                <a:latin typeface="华文楷体" panose="02010600040101010101" charset="-122"/>
+                <a:ea typeface="华文楷体" panose="02010600040101010101" charset="-122"/>
+                <a:cs typeface="华文楷体" panose="02010600040101010101" charset="-122"/>
+              </a:rPr>
+              <a:t>=3</a:t>
+            </a:r>
+            <a:r>
+              <a:rPr lang="zh-CN" altLang="en-US" sz="2000">
+                <a:solidFill>
+                  <a:schemeClr val="tx1"/>
+                </a:solidFill>
+                <a:latin typeface="华文楷体" panose="02010600040101010101" charset="-122"/>
+                <a:ea typeface="华文楷体" panose="02010600040101010101" charset="-122"/>
+                <a:cs typeface="华文楷体" panose="02010600040101010101" charset="-122"/>
+              </a:rPr>
+              <a:t>代表每次计算只涉及跨越时间维度的3个相邻特征</a:t>
+            </a:r>
+            <a:endParaRPr lang="zh-CN" altLang="en-US" sz="2000">
+              <a:solidFill>
+                <a:schemeClr val="tx1"/>
+              </a:solidFill>
+              <a:latin typeface="华文楷体" panose="02010600040101010101" charset="-122"/>
+              <a:ea typeface="华文楷体" panose="02010600040101010101" charset="-122"/>
+              <a:cs typeface="华文楷体" panose="02010600040101010101" charset="-122"/>
+            </a:endParaRPr>
+          </a:p>
+          <a:p>
+            <a:pPr marL="342900" indent="-342900" eaLnBrk="1" hangingPunct="1">
+              <a:lnSpc>
+                <a:spcPct val="130000"/>
+              </a:lnSpc>
+              <a:buFont typeface="Arial" panose="020B0604020202020204" pitchFamily="34" charset="0"/>
+              <a:buChar char="•"/>
+            </a:pPr>
+            <a:r>
+              <a:rPr lang="zh-CN" altLang="en-US" sz="2000">
+                <a:latin typeface="华文楷体" panose="02010600040101010101" charset="-122"/>
+                <a:ea typeface="华文楷体" panose="02010600040101010101" charset="-122"/>
+                <a:cs typeface="华文楷体" panose="02010600040101010101" charset="-122"/>
+                <a:sym typeface="+mn-ea"/>
+              </a:rPr>
+              <a:t>将所有滤波后的输出串联成一个矩阵作为kthTC层的输出</a:t>
+            </a:r>
+            <a:endParaRPr lang="zh-CN" altLang="en-US" sz="2000">
+              <a:solidFill>
+                <a:schemeClr val="tx1"/>
+              </a:solidFill>
+              <a:latin typeface="华文楷体" panose="02010600040101010101" charset="-122"/>
+              <a:ea typeface="华文楷体" panose="02010600040101010101" charset="-122"/>
+              <a:cs typeface="华文楷体" panose="02010600040101010101" charset="-122"/>
+            </a:endParaRPr>
+          </a:p>
+          <a:p>
+            <a:pPr marL="342900" indent="-342900" eaLnBrk="1" hangingPunct="1">
+              <a:lnSpc>
+                <a:spcPct val="130000"/>
+              </a:lnSpc>
+              <a:buFont typeface="Arial" panose="020B0604020202020204" pitchFamily="34" charset="0"/>
+              <a:buChar char="•"/>
+            </a:pPr>
+            <a:endParaRPr lang="zh-CN" altLang="en-US" sz="2000">
+              <a:solidFill>
+                <a:schemeClr val="tx1"/>
+              </a:solidFill>
+              <a:latin typeface="华文楷体" panose="02010600040101010101" charset="-122"/>
+              <a:ea typeface="华文楷体" panose="02010600040101010101" charset="-122"/>
+              <a:cs typeface="华文楷体" panose="02010600040101010101" charset="-122"/>
+            </a:endParaRPr>
+          </a:p>
+        </p:txBody>
+      </p:sp>
+    </p:spTree>
+  </p:cSld>
+  <p:clrMapOvr>
+    <a:masterClrMapping/>
+  </p:clrMapOvr>
+  <mc:AlternateContent xmlns:mc="http://schemas.openxmlformats.org/markup-compatibility/2006">
+    <mc:Choice xmlns:p14="http://schemas.microsoft.com/office/powerpoint/2010/main" Requires="p14">
+      <p:transition spd="slow" p14:dur="3900"/>
+    </mc:Choice>
+    <mc:Fallback>
+      <p:transition spd="slow"/>
+    </mc:Fallback>
+  </mc:AlternateContent>
+</p:sld>
+</file>
+
+<file path=ppt/slides/slide9.xml><?xml version="1.0" encoding="utf-8"?>
+<p:sld xmlns:a="http://schemas.openxmlformats.org/drawingml/2006/main" xmlns:r="http://schemas.openxmlformats.org/officeDocument/2006/relationships" xmlns:p="http://schemas.openxmlformats.org/presentationml/2006/main">
+  <p:cSld>
+    <p:spTree>
+      <p:nvGrpSpPr>
+        <p:cNvPr id="1" name=""/>
+        <p:cNvGrpSpPr/>
+        <p:nvPr/>
+      </p:nvGrpSpPr>
+      <p:grpSpPr>
+        <a:xfrm>
+          <a:off x="0" y="0"/>
+          <a:ext cx="0" cy="0"/>
+          <a:chOff x="0" y="0"/>
+          <a:chExt cx="0" cy="0"/>
+        </a:xfrm>
+      </p:grpSpPr>
+      <p:sp>
+        <p:nvSpPr>
+          <p:cNvPr id="8" name="任意多边形 7"/>
+          <p:cNvSpPr/>
+          <p:nvPr/>
+        </p:nvSpPr>
+        <p:spPr>
+          <a:xfrm>
             <a:off x="0" y="-1"/>
             <a:ext cx="12192000" cy="6858000"/>
           </a:xfrm>
@@ -12709,869 +13243,6 @@
               <a:latin typeface="微软雅黑" panose="020B0503020204020204" pitchFamily="34" charset="-122"/>
               <a:ea typeface="微软雅黑" panose="020B0503020204020204" pitchFamily="34" charset="-122"/>
               <a:cs typeface="Open Sans" panose="020B0606030504020204" pitchFamily="34" charset="0"/>
-            </a:endParaRPr>
-          </a:p>
-        </p:txBody>
-      </p:sp>
-    </p:spTree>
-  </p:cSld>
-  <p:clrMapOvr>
-    <a:masterClrMapping/>
-  </p:clrMapOvr>
-  <mc:AlternateContent xmlns:mc="http://schemas.openxmlformats.org/markup-compatibility/2006">
-    <mc:Choice xmlns:p14="http://schemas.microsoft.com/office/powerpoint/2010/main" Requires="p14">
-      <p:transition spd="slow" p14:dur="3900"/>
-    </mc:Choice>
-    <mc:Fallback>
-      <p:transition spd="slow"/>
-    </mc:Fallback>
-  </mc:AlternateContent>
-</p:sld>
-</file>
-
-<file path=ppt/slides/slide9.xml><?xml version="1.0" encoding="utf-8"?>
-<p:sld xmlns:a="http://schemas.openxmlformats.org/drawingml/2006/main" xmlns:r="http://schemas.openxmlformats.org/officeDocument/2006/relationships" xmlns:p="http://schemas.openxmlformats.org/presentationml/2006/main">
-  <p:cSld>
-    <p:spTree>
-      <p:nvGrpSpPr>
-        <p:cNvPr id="1" name=""/>
-        <p:cNvGrpSpPr/>
-        <p:nvPr/>
-      </p:nvGrpSpPr>
-      <p:grpSpPr>
-        <a:xfrm>
-          <a:off x="0" y="0"/>
-          <a:ext cx="0" cy="0"/>
-          <a:chOff x="0" y="0"/>
-          <a:chExt cx="0" cy="0"/>
-        </a:xfrm>
-      </p:grpSpPr>
-      <p:sp>
-        <p:nvSpPr>
-          <p:cNvPr id="8" name="任意多边形 7"/>
-          <p:cNvSpPr/>
-          <p:nvPr/>
-        </p:nvSpPr>
-        <p:spPr>
-          <a:xfrm>
-            <a:off x="-9525" y="-1"/>
-            <a:ext cx="12192000" cy="6858000"/>
-          </a:xfrm>
-          <a:custGeom>
-            <a:avLst/>
-            <a:gdLst>
-              <a:gd name="connsiteX0" fmla="*/ 0 w 12192000"/>
-              <a:gd name="connsiteY0" fmla="*/ 0 h 6858000"/>
-              <a:gd name="connsiteX1" fmla="*/ 12192000 w 12192000"/>
-              <a:gd name="connsiteY1" fmla="*/ 0 h 6858000"/>
-              <a:gd name="connsiteX2" fmla="*/ 12192000 w 12192000"/>
-              <a:gd name="connsiteY2" fmla="*/ 6858000 h 6858000"/>
-              <a:gd name="connsiteX3" fmla="*/ 0 w 12192000"/>
-              <a:gd name="connsiteY3" fmla="*/ 6858000 h 6858000"/>
-              <a:gd name="connsiteX4" fmla="*/ 0 w 12192000"/>
-              <a:gd name="connsiteY4" fmla="*/ 0 h 6858000"/>
-              <a:gd name="connsiteX5" fmla="*/ 133165 w 12192000"/>
-              <a:gd name="connsiteY5" fmla="*/ 142043 h 6858000"/>
-              <a:gd name="connsiteX6" fmla="*/ 133165 w 12192000"/>
-              <a:gd name="connsiteY6" fmla="*/ 6711518 h 6858000"/>
-              <a:gd name="connsiteX7" fmla="*/ 12029243 w 12192000"/>
-              <a:gd name="connsiteY7" fmla="*/ 6711518 h 6858000"/>
-              <a:gd name="connsiteX8" fmla="*/ 12029243 w 12192000"/>
-              <a:gd name="connsiteY8" fmla="*/ 142043 h 6858000"/>
-              <a:gd name="connsiteX9" fmla="*/ 133165 w 12192000"/>
-              <a:gd name="connsiteY9" fmla="*/ 142043 h 6858000"/>
-            </a:gdLst>
-            <a:ahLst/>
-            <a:cxnLst>
-              <a:cxn ang="0">
-                <a:pos x="connsiteX0" y="connsiteY0"/>
-              </a:cxn>
-              <a:cxn ang="0">
-                <a:pos x="connsiteX1" y="connsiteY1"/>
-              </a:cxn>
-              <a:cxn ang="0">
-                <a:pos x="connsiteX2" y="connsiteY2"/>
-              </a:cxn>
-              <a:cxn ang="0">
-                <a:pos x="connsiteX3" y="connsiteY3"/>
-              </a:cxn>
-              <a:cxn ang="0">
-                <a:pos x="connsiteX4" y="connsiteY4"/>
-              </a:cxn>
-              <a:cxn ang="0">
-                <a:pos x="connsiteX5" y="connsiteY5"/>
-              </a:cxn>
-              <a:cxn ang="0">
-                <a:pos x="connsiteX6" y="connsiteY6"/>
-              </a:cxn>
-              <a:cxn ang="0">
-                <a:pos x="connsiteX7" y="connsiteY7"/>
-              </a:cxn>
-              <a:cxn ang="0">
-                <a:pos x="connsiteX8" y="connsiteY8"/>
-              </a:cxn>
-              <a:cxn ang="0">
-                <a:pos x="connsiteX9" y="connsiteY9"/>
-              </a:cxn>
-            </a:cxnLst>
-            <a:rect l="l" t="t" r="r" b="b"/>
-            <a:pathLst>
-              <a:path w="12192000" h="6858000">
-                <a:moveTo>
-                  <a:pt x="0" y="0"/>
-                </a:moveTo>
-                <a:lnTo>
-                  <a:pt x="12192000" y="0"/>
-                </a:lnTo>
-                <a:lnTo>
-                  <a:pt x="12192000" y="6858000"/>
-                </a:lnTo>
-                <a:lnTo>
-                  <a:pt x="0" y="6858000"/>
-                </a:lnTo>
-                <a:lnTo>
-                  <a:pt x="0" y="0"/>
-                </a:lnTo>
-                <a:close/>
-                <a:moveTo>
-                  <a:pt x="133165" y="142043"/>
-                </a:moveTo>
-                <a:lnTo>
-                  <a:pt x="133165" y="6711518"/>
-                </a:lnTo>
-                <a:lnTo>
-                  <a:pt x="12029243" y="6711518"/>
-                </a:lnTo>
-                <a:lnTo>
-                  <a:pt x="12029243" y="142043"/>
-                </a:lnTo>
-                <a:lnTo>
-                  <a:pt x="133165" y="142043"/>
-                </a:lnTo>
-                <a:close/>
-              </a:path>
-            </a:pathLst>
-          </a:custGeom>
-          <a:solidFill>
-            <a:srgbClr val="942D2E"/>
-          </a:solidFill>
-          <a:ln>
-            <a:noFill/>
-          </a:ln>
-        </p:spPr>
-        <p:style>
-          <a:lnRef idx="2">
-            <a:schemeClr val="accent1">
-              <a:shade val="50000"/>
-            </a:schemeClr>
-          </a:lnRef>
-          <a:fillRef idx="1">
-            <a:schemeClr val="accent1"/>
-          </a:fillRef>
-          <a:effectRef idx="0">
-            <a:schemeClr val="accent1"/>
-          </a:effectRef>
-          <a:fontRef idx="minor">
-            <a:schemeClr val="lt1"/>
-          </a:fontRef>
-        </p:style>
-        <p:txBody>
-          <a:bodyPr rtlCol="0" anchor="ctr"/>
-          <a:lstStyle/>
-          <a:p>
-            <a:pPr algn="ctr"/>
-            <a:endParaRPr lang="zh-CN" altLang="en-US"/>
-          </a:p>
-        </p:txBody>
-      </p:sp>
-      <p:pic>
-        <p:nvPicPr>
-          <p:cNvPr id="4" name="图片 4"/>
-          <p:cNvPicPr>
-            <a:picLocks noChangeAspect="1"/>
-          </p:cNvPicPr>
-          <p:nvPr/>
-        </p:nvPicPr>
-        <p:blipFill>
-          <a:blip r:embed="rId1"/>
-          <a:stretch>
-            <a:fillRect/>
-          </a:stretch>
-        </p:blipFill>
-        <p:spPr>
-          <a:xfrm>
-            <a:off x="4178300" y="1224280"/>
-            <a:ext cx="7708900" cy="4409440"/>
-          </a:xfrm>
-          <a:prstGeom prst="rect">
-            <a:avLst/>
-          </a:prstGeom>
-          <a:noFill/>
-          <a:ln>
-            <a:noFill/>
-          </a:ln>
-        </p:spPr>
-      </p:pic>
-      <p:sp>
-        <p:nvSpPr>
-          <p:cNvPr id="24" name="TextBox 51"/>
-          <p:cNvSpPr txBox="1">
-            <a:spLocks noChangeArrowheads="1"/>
-          </p:cNvSpPr>
-          <p:nvPr/>
-        </p:nvSpPr>
-        <p:spPr bwMode="auto">
-          <a:xfrm>
-            <a:off x="952560" y="583883"/>
-            <a:ext cx="2842895" cy="583565"/>
-          </a:xfrm>
-          <a:prstGeom prst="rect">
-            <a:avLst/>
-          </a:prstGeom>
-          <a:noFill/>
-          <a:ln>
-            <a:noFill/>
-          </a:ln>
-          <a:extLst>
-            <a:ext uri="{909E8E84-426E-40DD-AFC4-6F175D3DCCD1}">
-              <a14:hiddenFill xmlns:a14="http://schemas.microsoft.com/office/drawing/2010/main">
-                <a:solidFill>
-                  <a:srgbClr val="FFFFFF"/>
-                </a:solidFill>
-              </a14:hiddenFill>
-            </a:ext>
-            <a:ext uri="{91240B29-F687-4F45-9708-019B960494DF}">
-              <a14:hiddenLine xmlns:a14="http://schemas.microsoft.com/office/drawing/2010/main" w="9525">
-                <a:solidFill>
-                  <a:srgbClr val="000000"/>
-                </a:solidFill>
-                <a:miter lim="800000"/>
-                <a:headEnd/>
-                <a:tailEnd/>
-              </a14:hiddenLine>
-            </a:ext>
-          </a:extLst>
-        </p:spPr>
-        <p:txBody>
-          <a:bodyPr wrap="none">
-            <a:spAutoFit/>
-          </a:bodyPr>
-          <a:lstStyle>
-            <a:lvl1pPr>
-              <a:defRPr>
-                <a:solidFill>
-                  <a:schemeClr val="tx1"/>
-                </a:solidFill>
-                <a:latin typeface="Calibri" panose="020F0502020204030204" pitchFamily="34" charset="0"/>
-              </a:defRPr>
-            </a:lvl1pPr>
-            <a:lvl2pPr marL="742950" indent="-285750">
-              <a:defRPr>
-                <a:solidFill>
-                  <a:schemeClr val="tx1"/>
-                </a:solidFill>
-                <a:latin typeface="Calibri" panose="020F0502020204030204" pitchFamily="34" charset="0"/>
-              </a:defRPr>
-            </a:lvl2pPr>
-            <a:lvl3pPr marL="1143000" indent="-228600">
-              <a:defRPr>
-                <a:solidFill>
-                  <a:schemeClr val="tx1"/>
-                </a:solidFill>
-                <a:latin typeface="Calibri" panose="020F0502020204030204" pitchFamily="34" charset="0"/>
-              </a:defRPr>
-            </a:lvl3pPr>
-            <a:lvl4pPr marL="1600200" indent="-228600">
-              <a:defRPr>
-                <a:solidFill>
-                  <a:schemeClr val="tx1"/>
-                </a:solidFill>
-                <a:latin typeface="Calibri" panose="020F0502020204030204" pitchFamily="34" charset="0"/>
-              </a:defRPr>
-            </a:lvl4pPr>
-            <a:lvl5pPr marL="2057400" indent="-228600">
-              <a:defRPr>
-                <a:solidFill>
-                  <a:schemeClr val="tx1"/>
-                </a:solidFill>
-                <a:latin typeface="Calibri" panose="020F0502020204030204" pitchFamily="34" charset="0"/>
-              </a:defRPr>
-            </a:lvl5pPr>
-            <a:lvl6pPr marL="2514600" indent="-228600" defTabSz="913130" fontAlgn="base">
-              <a:spcBef>
-                <a:spcPct val="0"/>
-              </a:spcBef>
-              <a:spcAft>
-                <a:spcPct val="0"/>
-              </a:spcAft>
-              <a:defRPr>
-                <a:solidFill>
-                  <a:schemeClr val="tx1"/>
-                </a:solidFill>
-                <a:latin typeface="Calibri" panose="020F0502020204030204" pitchFamily="34" charset="0"/>
-              </a:defRPr>
-            </a:lvl6pPr>
-            <a:lvl7pPr marL="2971800" indent="-228600" defTabSz="913130" fontAlgn="base">
-              <a:spcBef>
-                <a:spcPct val="0"/>
-              </a:spcBef>
-              <a:spcAft>
-                <a:spcPct val="0"/>
-              </a:spcAft>
-              <a:defRPr>
-                <a:solidFill>
-                  <a:schemeClr val="tx1"/>
-                </a:solidFill>
-                <a:latin typeface="Calibri" panose="020F0502020204030204" pitchFamily="34" charset="0"/>
-              </a:defRPr>
-            </a:lvl7pPr>
-            <a:lvl8pPr marL="3429000" indent="-228600" defTabSz="913130" fontAlgn="base">
-              <a:spcBef>
-                <a:spcPct val="0"/>
-              </a:spcBef>
-              <a:spcAft>
-                <a:spcPct val="0"/>
-              </a:spcAft>
-              <a:defRPr>
-                <a:solidFill>
-                  <a:schemeClr val="tx1"/>
-                </a:solidFill>
-                <a:latin typeface="Calibri" panose="020F0502020204030204" pitchFamily="34" charset="0"/>
-              </a:defRPr>
-            </a:lvl8pPr>
-            <a:lvl9pPr marL="3886200" indent="-228600" defTabSz="913130" fontAlgn="base">
-              <a:spcBef>
-                <a:spcPct val="0"/>
-              </a:spcBef>
-              <a:spcAft>
-                <a:spcPct val="0"/>
-              </a:spcAft>
-              <a:defRPr>
-                <a:solidFill>
-                  <a:schemeClr val="tx1"/>
-                </a:solidFill>
-                <a:latin typeface="Calibri" panose="020F0502020204030204" pitchFamily="34" charset="0"/>
-              </a:defRPr>
-            </a:lvl9pPr>
-          </a:lstStyle>
-          <a:p>
-            <a:pPr eaLnBrk="1" hangingPunct="1"/>
-            <a:r>
-              <a:rPr lang="en-US" altLang="zh-CN" sz="3200" b="1" dirty="0">
-                <a:solidFill>
-                  <a:schemeClr val="tx1">
-                    <a:lumMod val="75000"/>
-                    <a:lumOff val="25000"/>
-                  </a:schemeClr>
-                </a:solidFill>
-                <a:latin typeface="微软雅黑" panose="020B0503020204020204" pitchFamily="34" charset="-122"/>
-                <a:ea typeface="微软雅黑" panose="020B0503020204020204" pitchFamily="34" charset="-122"/>
-                <a:cs typeface="Open Sans" panose="020B0606030504020204" pitchFamily="34" charset="0"/>
-              </a:rPr>
-              <a:t>k</a:t>
-            </a:r>
-            <a:r>
-              <a:rPr lang="en-US" altLang="zh-CN" sz="3200" b="1" baseline="30000" dirty="0">
-                <a:solidFill>
-                  <a:schemeClr val="tx1">
-                    <a:lumMod val="75000"/>
-                    <a:lumOff val="25000"/>
-                  </a:schemeClr>
-                </a:solidFill>
-                <a:latin typeface="微软雅黑" panose="020B0503020204020204" pitchFamily="34" charset="-122"/>
-                <a:ea typeface="微软雅黑" panose="020B0503020204020204" pitchFamily="34" charset="-122"/>
-                <a:cs typeface="Open Sans" panose="020B0606030504020204" pitchFamily="34" charset="0"/>
-              </a:rPr>
-              <a:t>th</a:t>
-            </a:r>
-            <a:r>
-              <a:rPr lang="en-US" altLang="zh-CN" sz="3200" b="1" dirty="0">
-                <a:solidFill>
-                  <a:schemeClr val="tx1">
-                    <a:lumMod val="75000"/>
-                    <a:lumOff val="25000"/>
-                  </a:schemeClr>
-                </a:solidFill>
-                <a:latin typeface="微软雅黑" panose="020B0503020204020204" pitchFamily="34" charset="-122"/>
-                <a:ea typeface="微软雅黑" panose="020B0503020204020204" pitchFamily="34" charset="-122"/>
-                <a:cs typeface="Open Sans" panose="020B0606030504020204" pitchFamily="34" charset="0"/>
-              </a:rPr>
-              <a:t>TC</a:t>
-            </a:r>
-            <a:r>
-              <a:rPr lang="zh-CN" altLang="en-US" sz="3200" b="1" dirty="0">
-                <a:solidFill>
-                  <a:schemeClr val="tx1">
-                    <a:lumMod val="75000"/>
-                    <a:lumOff val="25000"/>
-                  </a:schemeClr>
-                </a:solidFill>
-                <a:latin typeface="微软雅黑" panose="020B0503020204020204" pitchFamily="34" charset="-122"/>
-                <a:ea typeface="微软雅黑" panose="020B0503020204020204" pitchFamily="34" charset="-122"/>
-                <a:cs typeface="Open Sans" panose="020B0606030504020204" pitchFamily="34" charset="0"/>
-              </a:rPr>
-              <a:t>操作过程</a:t>
-            </a:r>
-            <a:endParaRPr lang="zh-CN" altLang="en-US" sz="3200" b="1" dirty="0">
-              <a:solidFill>
-                <a:schemeClr val="tx1">
-                  <a:lumMod val="75000"/>
-                  <a:lumOff val="25000"/>
-                </a:schemeClr>
-              </a:solidFill>
-              <a:latin typeface="微软雅黑" panose="020B0503020204020204" pitchFamily="34" charset="-122"/>
-              <a:ea typeface="微软雅黑" panose="020B0503020204020204" pitchFamily="34" charset="-122"/>
-              <a:cs typeface="Open Sans" panose="020B0606030504020204" pitchFamily="34" charset="0"/>
-            </a:endParaRPr>
-          </a:p>
-        </p:txBody>
-      </p:sp>
-      <p:sp>
-        <p:nvSpPr>
-          <p:cNvPr id="56329" name="Rectangle 72"/>
-          <p:cNvSpPr>
-            <a:spLocks noChangeArrowheads="1"/>
-          </p:cNvSpPr>
-          <p:nvPr/>
-        </p:nvSpPr>
-        <p:spPr bwMode="auto">
-          <a:xfrm>
-            <a:off x="952500" y="1322070"/>
-            <a:ext cx="3343910" cy="5692775"/>
-          </a:xfrm>
-          <a:prstGeom prst="rect">
-            <a:avLst/>
-          </a:prstGeom>
-          <a:noFill/>
-          <a:ln>
-            <a:noFill/>
-          </a:ln>
-          <a:extLst>
-            <a:ext uri="{909E8E84-426E-40DD-AFC4-6F175D3DCCD1}">
-              <a14:hiddenFill xmlns:a14="http://schemas.microsoft.com/office/drawing/2010/main">
-                <a:solidFill>
-                  <a:srgbClr val="FFFFFF"/>
-                </a:solidFill>
-              </a14:hiddenFill>
-            </a:ext>
-            <a:ext uri="{91240B29-F687-4F45-9708-019B960494DF}">
-              <a14:hiddenLine xmlns:a14="http://schemas.microsoft.com/office/drawing/2010/main" w="9525">
-                <a:solidFill>
-                  <a:srgbClr val="000000"/>
-                </a:solidFill>
-                <a:miter lim="800000"/>
-                <a:headEnd/>
-                <a:tailEnd/>
-              </a14:hiddenLine>
-            </a:ext>
-          </a:extLst>
-        </p:spPr>
-        <p:txBody>
-          <a:bodyPr wrap="square">
-            <a:spAutoFit/>
-          </a:bodyPr>
-          <a:lstStyle>
-            <a:lvl1pPr>
-              <a:defRPr>
-                <a:solidFill>
-                  <a:schemeClr val="tx1"/>
-                </a:solidFill>
-                <a:latin typeface="Calibri" panose="020F0502020204030204" pitchFamily="34" charset="0"/>
-              </a:defRPr>
-            </a:lvl1pPr>
-            <a:lvl2pPr marL="742950" indent="-285750">
-              <a:defRPr>
-                <a:solidFill>
-                  <a:schemeClr val="tx1"/>
-                </a:solidFill>
-                <a:latin typeface="Calibri" panose="020F0502020204030204" pitchFamily="34" charset="0"/>
-              </a:defRPr>
-            </a:lvl2pPr>
-            <a:lvl3pPr marL="1143000" indent="-228600">
-              <a:defRPr>
-                <a:solidFill>
-                  <a:schemeClr val="tx1"/>
-                </a:solidFill>
-                <a:latin typeface="Calibri" panose="020F0502020204030204" pitchFamily="34" charset="0"/>
-              </a:defRPr>
-            </a:lvl3pPr>
-            <a:lvl4pPr marL="1600200" indent="-228600">
-              <a:defRPr>
-                <a:solidFill>
-                  <a:schemeClr val="tx1"/>
-                </a:solidFill>
-                <a:latin typeface="Calibri" panose="020F0502020204030204" pitchFamily="34" charset="0"/>
-              </a:defRPr>
-            </a:lvl4pPr>
-            <a:lvl5pPr marL="2057400" indent="-228600">
-              <a:defRPr>
-                <a:solidFill>
-                  <a:schemeClr val="tx1"/>
-                </a:solidFill>
-                <a:latin typeface="Calibri" panose="020F0502020204030204" pitchFamily="34" charset="0"/>
-              </a:defRPr>
-            </a:lvl5pPr>
-            <a:lvl6pPr marL="2514600" indent="-228600" defTabSz="913130" fontAlgn="base">
-              <a:spcBef>
-                <a:spcPct val="0"/>
-              </a:spcBef>
-              <a:spcAft>
-                <a:spcPct val="0"/>
-              </a:spcAft>
-              <a:defRPr>
-                <a:solidFill>
-                  <a:schemeClr val="tx1"/>
-                </a:solidFill>
-                <a:latin typeface="Calibri" panose="020F0502020204030204" pitchFamily="34" charset="0"/>
-              </a:defRPr>
-            </a:lvl6pPr>
-            <a:lvl7pPr marL="2971800" indent="-228600" defTabSz="913130" fontAlgn="base">
-              <a:spcBef>
-                <a:spcPct val="0"/>
-              </a:spcBef>
-              <a:spcAft>
-                <a:spcPct val="0"/>
-              </a:spcAft>
-              <a:defRPr>
-                <a:solidFill>
-                  <a:schemeClr val="tx1"/>
-                </a:solidFill>
-                <a:latin typeface="Calibri" panose="020F0502020204030204" pitchFamily="34" charset="0"/>
-              </a:defRPr>
-            </a:lvl7pPr>
-            <a:lvl8pPr marL="3429000" indent="-228600" defTabSz="913130" fontAlgn="base">
-              <a:spcBef>
-                <a:spcPct val="0"/>
-              </a:spcBef>
-              <a:spcAft>
-                <a:spcPct val="0"/>
-              </a:spcAft>
-              <a:defRPr>
-                <a:solidFill>
-                  <a:schemeClr val="tx1"/>
-                </a:solidFill>
-                <a:latin typeface="Calibri" panose="020F0502020204030204" pitchFamily="34" charset="0"/>
-              </a:defRPr>
-            </a:lvl8pPr>
-            <a:lvl9pPr marL="3886200" indent="-228600" defTabSz="913130" fontAlgn="base">
-              <a:spcBef>
-                <a:spcPct val="0"/>
-              </a:spcBef>
-              <a:spcAft>
-                <a:spcPct val="0"/>
-              </a:spcAft>
-              <a:defRPr>
-                <a:solidFill>
-                  <a:schemeClr val="tx1"/>
-                </a:solidFill>
-                <a:latin typeface="Calibri" panose="020F0502020204030204" pitchFamily="34" charset="0"/>
-              </a:defRPr>
-            </a:lvl9pPr>
-          </a:lstStyle>
-          <a:p>
-            <a:pPr marL="342900" indent="-342900" eaLnBrk="1" hangingPunct="1">
-              <a:lnSpc>
-                <a:spcPct val="130000"/>
-              </a:lnSpc>
-              <a:buFont typeface="Arial" panose="020B0604020202020204" pitchFamily="34" charset="0"/>
-              <a:buChar char="•"/>
-            </a:pPr>
-            <a:r>
-              <a:rPr lang="zh-CN" altLang="en-US" sz="2000">
-                <a:solidFill>
-                  <a:schemeClr val="tx1"/>
-                </a:solidFill>
-                <a:latin typeface="华文楷体" panose="02010600040101010101" charset="-122"/>
-                <a:ea typeface="华文楷体" panose="02010600040101010101" charset="-122"/>
-                <a:cs typeface="华文楷体" panose="02010600040101010101" charset="-122"/>
-              </a:rPr>
-              <a:t>d</a:t>
-            </a:r>
-            <a:r>
-              <a:rPr lang="en-US" altLang="zh-CN" sz="2000">
-                <a:solidFill>
-                  <a:schemeClr val="tx1"/>
-                </a:solidFill>
-                <a:latin typeface="华文楷体" panose="02010600040101010101" charset="-122"/>
-                <a:ea typeface="华文楷体" panose="02010600040101010101" charset="-122"/>
-                <a:cs typeface="华文楷体" panose="02010600040101010101" charset="-122"/>
-              </a:rPr>
-              <a:t>'</a:t>
-            </a:r>
-            <a:r>
-              <a:rPr lang="zh-CN" altLang="en-US" sz="2000">
-                <a:solidFill>
-                  <a:schemeClr val="tx1"/>
-                </a:solidFill>
-                <a:latin typeface="华文楷体" panose="02010600040101010101" charset="-122"/>
-                <a:ea typeface="华文楷体" panose="02010600040101010101" charset="-122"/>
-                <a:cs typeface="华文楷体" panose="02010600040101010101" charset="-122"/>
-              </a:rPr>
-              <a:t>维上的M个时间特征构成的特征矩阵作为输入，</a:t>
-            </a:r>
-            <a:r>
-              <a:rPr lang="zh-CN" altLang="en-US" sz="2000">
-                <a:solidFill>
-                  <a:schemeClr val="bg1">
-                    <a:lumMod val="85000"/>
-                  </a:schemeClr>
-                </a:solidFill>
-                <a:latin typeface="华文楷体" panose="02010600040101010101" charset="-122"/>
-                <a:ea typeface="华文楷体" panose="02010600040101010101" charset="-122"/>
-                <a:cs typeface="华文楷体" panose="02010600040101010101" charset="-122"/>
-              </a:rPr>
-              <a:t>这个矩阵是从</a:t>
-            </a:r>
-            <a:r>
-              <a:rPr lang="en-US" altLang="zh-CN" sz="2000">
-                <a:solidFill>
-                  <a:schemeClr val="bg1">
-                    <a:lumMod val="85000"/>
-                  </a:schemeClr>
-                </a:solidFill>
-                <a:latin typeface="华文楷体" panose="02010600040101010101" charset="-122"/>
-                <a:ea typeface="华文楷体" panose="02010600040101010101" charset="-122"/>
-                <a:cs typeface="华文楷体" panose="02010600040101010101" charset="-122"/>
-              </a:rPr>
-              <a:t>0</a:t>
-            </a:r>
-            <a:r>
-              <a:rPr lang="en-US" altLang="zh-CN" sz="2000" baseline="30000">
-                <a:solidFill>
-                  <a:schemeClr val="bg1">
-                    <a:lumMod val="85000"/>
-                  </a:schemeClr>
-                </a:solidFill>
-                <a:latin typeface="华文楷体" panose="02010600040101010101" charset="-122"/>
-                <a:ea typeface="华文楷体" panose="02010600040101010101" charset="-122"/>
-                <a:cs typeface="华文楷体" panose="02010600040101010101" charset="-122"/>
-              </a:rPr>
-              <a:t>th</a:t>
-            </a:r>
-            <a:r>
-              <a:rPr lang="zh-CN" altLang="en-US" sz="2000">
-                <a:solidFill>
-                  <a:schemeClr val="bg1">
-                    <a:lumMod val="85000"/>
-                  </a:schemeClr>
-                </a:solidFill>
-                <a:latin typeface="华文楷体" panose="02010600040101010101" charset="-122"/>
-                <a:ea typeface="华文楷体" panose="02010600040101010101" charset="-122"/>
-                <a:cs typeface="华文楷体" panose="02010600040101010101" charset="-122"/>
-              </a:rPr>
-              <a:t>到</a:t>
-            </a:r>
-            <a:r>
-              <a:rPr lang="en-US" altLang="zh-CN" sz="2000">
-                <a:solidFill>
-                  <a:schemeClr val="bg1">
-                    <a:lumMod val="85000"/>
-                  </a:schemeClr>
-                </a:solidFill>
-                <a:latin typeface="华文楷体" panose="02010600040101010101" charset="-122"/>
-                <a:ea typeface="华文楷体" panose="02010600040101010101" charset="-122"/>
-                <a:cs typeface="华文楷体" panose="02010600040101010101" charset="-122"/>
-              </a:rPr>
-              <a:t>(k-1)</a:t>
-            </a:r>
-            <a:r>
-              <a:rPr lang="en-US" altLang="zh-CN" sz="2000" baseline="30000">
-                <a:solidFill>
-                  <a:schemeClr val="bg1">
-                    <a:lumMod val="85000"/>
-                  </a:schemeClr>
-                </a:solidFill>
-                <a:latin typeface="华文楷体" panose="02010600040101010101" charset="-122"/>
-                <a:ea typeface="华文楷体" panose="02010600040101010101" charset="-122"/>
-                <a:cs typeface="华文楷体" panose="02010600040101010101" charset="-122"/>
-              </a:rPr>
-              <a:t>th</a:t>
-            </a:r>
-            <a:r>
-              <a:rPr lang="zh-CN" altLang="en-US" sz="2000">
-                <a:solidFill>
-                  <a:schemeClr val="bg1">
-                    <a:lumMod val="85000"/>
-                  </a:schemeClr>
-                </a:solidFill>
-                <a:latin typeface="华文楷体" panose="02010600040101010101" charset="-122"/>
-                <a:ea typeface="华文楷体" panose="02010600040101010101" charset="-122"/>
-                <a:cs typeface="华文楷体" panose="02010600040101010101" charset="-122"/>
-              </a:rPr>
-              <a:t>串联的输出</a:t>
-            </a:r>
-            <a:endParaRPr lang="zh-CN" altLang="en-US" sz="2000">
-              <a:solidFill>
-                <a:schemeClr val="bg1">
-                  <a:lumMod val="85000"/>
-                </a:schemeClr>
-              </a:solidFill>
-              <a:latin typeface="华文楷体" panose="02010600040101010101" charset="-122"/>
-              <a:ea typeface="华文楷体" panose="02010600040101010101" charset="-122"/>
-              <a:cs typeface="华文楷体" panose="02010600040101010101" charset="-122"/>
-            </a:endParaRPr>
-          </a:p>
-          <a:p>
-            <a:pPr marL="342900" indent="-342900" eaLnBrk="1" hangingPunct="1">
-              <a:lnSpc>
-                <a:spcPct val="130000"/>
-              </a:lnSpc>
-              <a:buFont typeface="Arial" panose="020B0604020202020204" pitchFamily="34" charset="0"/>
-              <a:buChar char="•"/>
-            </a:pPr>
-            <a:r>
-              <a:rPr lang="zh-CN" altLang="en-US" sz="2000">
-                <a:solidFill>
-                  <a:schemeClr val="tx1"/>
-                </a:solidFill>
-                <a:latin typeface="华文楷体" panose="02010600040101010101" charset="-122"/>
-                <a:ea typeface="华文楷体" panose="02010600040101010101" charset="-122"/>
-                <a:cs typeface="华文楷体" panose="02010600040101010101" charset="-122"/>
-              </a:rPr>
-              <a:t>利用滤波器</a:t>
-            </a:r>
-            <a:r>
-              <a:rPr lang="en-US" altLang="zh-CN" sz="2000">
-                <a:solidFill>
-                  <a:schemeClr val="tx1"/>
-                </a:solidFill>
-                <a:latin typeface="华文楷体" panose="02010600040101010101" charset="-122"/>
-                <a:ea typeface="华文楷体" panose="02010600040101010101" charset="-122"/>
-                <a:cs typeface="华文楷体" panose="02010600040101010101" charset="-122"/>
-              </a:rPr>
-              <a:t>(q)</a:t>
-            </a:r>
-            <a:r>
-              <a:rPr lang="zh-CN" altLang="en-US" sz="2000">
-                <a:latin typeface="华文楷体" panose="02010600040101010101" charset="-122"/>
-                <a:ea typeface="华文楷体" panose="02010600040101010101" charset="-122"/>
-                <a:cs typeface="华文楷体" panose="02010600040101010101" charset="-122"/>
-                <a:sym typeface="+mn-ea"/>
-              </a:rPr>
-              <a:t>从输入中获取动态视觉信息</a:t>
-            </a:r>
-            <a:r>
-              <a:rPr lang="zh-CN" altLang="en-US" sz="2000">
-                <a:solidFill>
-                  <a:schemeClr val="tx1"/>
-                </a:solidFill>
-                <a:latin typeface="华文楷体" panose="02010600040101010101" charset="-122"/>
-                <a:ea typeface="华文楷体" panose="02010600040101010101" charset="-122"/>
-                <a:cs typeface="华文楷体" panose="02010600040101010101" charset="-122"/>
-              </a:rPr>
-              <a:t>计算n项相邻特征</a:t>
-            </a:r>
-            <a:endParaRPr lang="zh-CN" altLang="en-US" sz="2000">
-              <a:solidFill>
-                <a:schemeClr val="tx1"/>
-              </a:solidFill>
-              <a:latin typeface="华文楷体" panose="02010600040101010101" charset="-122"/>
-              <a:ea typeface="华文楷体" panose="02010600040101010101" charset="-122"/>
-              <a:cs typeface="华文楷体" panose="02010600040101010101" charset="-122"/>
-            </a:endParaRPr>
-          </a:p>
-          <a:p>
-            <a:pPr marL="342900" indent="-342900" eaLnBrk="1" hangingPunct="1">
-              <a:lnSpc>
-                <a:spcPct val="130000"/>
-              </a:lnSpc>
-              <a:buFont typeface="Arial" panose="020B0604020202020204" pitchFamily="34" charset="0"/>
-              <a:buChar char="•"/>
-            </a:pPr>
-            <a:r>
-              <a:rPr lang="zh-CN" altLang="en-US" sz="2000">
-                <a:solidFill>
-                  <a:schemeClr val="tx1"/>
-                </a:solidFill>
-                <a:latin typeface="华文楷体" panose="02010600040101010101" charset="-122"/>
-                <a:ea typeface="华文楷体" panose="02010600040101010101" charset="-122"/>
-                <a:cs typeface="华文楷体" panose="02010600040101010101" charset="-122"/>
-              </a:rPr>
-              <a:t>n</a:t>
-            </a:r>
-            <a:r>
-              <a:rPr lang="en-US" altLang="zh-CN" sz="2000">
-                <a:solidFill>
-                  <a:schemeClr val="tx1"/>
-                </a:solidFill>
-                <a:latin typeface="华文楷体" panose="02010600040101010101" charset="-122"/>
-                <a:ea typeface="华文楷体" panose="02010600040101010101" charset="-122"/>
-                <a:cs typeface="华文楷体" panose="02010600040101010101" charset="-122"/>
-              </a:rPr>
-              <a:t>=3</a:t>
-            </a:r>
-            <a:r>
-              <a:rPr lang="zh-CN" altLang="en-US" sz="2000">
-                <a:solidFill>
-                  <a:schemeClr val="tx1"/>
-                </a:solidFill>
-                <a:latin typeface="华文楷体" panose="02010600040101010101" charset="-122"/>
-                <a:ea typeface="华文楷体" panose="02010600040101010101" charset="-122"/>
-                <a:cs typeface="华文楷体" panose="02010600040101010101" charset="-122"/>
-              </a:rPr>
-              <a:t>代表</a:t>
-            </a:r>
-            <a:r>
-              <a:rPr lang="zh-CN" altLang="en-US" sz="2000">
-                <a:solidFill>
-                  <a:schemeClr val="tx1"/>
-                </a:solidFill>
-                <a:latin typeface="华文楷体" panose="02010600040101010101" charset="-122"/>
-                <a:ea typeface="华文楷体" panose="02010600040101010101" charset="-122"/>
-                <a:cs typeface="华文楷体" panose="02010600040101010101" charset="-122"/>
-              </a:rPr>
-              <a:t>每次计算只涉及跨越时间维度的3个相邻特征</a:t>
-            </a:r>
-            <a:endParaRPr lang="zh-CN" altLang="en-US" sz="2000">
-              <a:solidFill>
-                <a:schemeClr val="tx1"/>
-              </a:solidFill>
-              <a:latin typeface="华文楷体" panose="02010600040101010101" charset="-122"/>
-              <a:ea typeface="华文楷体" panose="02010600040101010101" charset="-122"/>
-              <a:cs typeface="华文楷体" panose="02010600040101010101" charset="-122"/>
-            </a:endParaRPr>
-          </a:p>
-          <a:p>
-            <a:pPr marL="342900" indent="-342900" eaLnBrk="1" hangingPunct="1">
-              <a:lnSpc>
-                <a:spcPct val="130000"/>
-              </a:lnSpc>
-              <a:buFont typeface="Arial" panose="020B0604020202020204" pitchFamily="34" charset="0"/>
-              <a:buChar char="•"/>
-            </a:pPr>
-            <a:r>
-              <a:rPr lang="zh-CN" altLang="en-US" sz="2000">
-                <a:latin typeface="华文楷体" panose="02010600040101010101" charset="-122"/>
-                <a:ea typeface="华文楷体" panose="02010600040101010101" charset="-122"/>
-                <a:cs typeface="华文楷体" panose="02010600040101010101" charset="-122"/>
-                <a:sym typeface="+mn-ea"/>
-              </a:rPr>
-              <a:t>将所有滤波后的输出串联成一个矩阵作为kthTC层的输出</a:t>
-            </a:r>
-            <a:endParaRPr lang="zh-CN" altLang="en-US" sz="2000">
-              <a:solidFill>
-                <a:schemeClr val="tx1"/>
-              </a:solidFill>
-              <a:latin typeface="华文楷体" panose="02010600040101010101" charset="-122"/>
-              <a:ea typeface="华文楷体" panose="02010600040101010101" charset="-122"/>
-              <a:cs typeface="华文楷体" panose="02010600040101010101" charset="-122"/>
-            </a:endParaRPr>
-          </a:p>
-          <a:p>
-            <a:pPr marL="342900" indent="-342900" eaLnBrk="1" hangingPunct="1">
-              <a:lnSpc>
-                <a:spcPct val="130000"/>
-              </a:lnSpc>
-              <a:buFont typeface="Arial" panose="020B0604020202020204" pitchFamily="34" charset="0"/>
-              <a:buChar char="•"/>
-            </a:pPr>
-            <a:endParaRPr lang="zh-CN" altLang="en-US" sz="2000">
-              <a:solidFill>
-                <a:schemeClr val="tx1"/>
-              </a:solidFill>
-              <a:latin typeface="华文楷体" panose="02010600040101010101" charset="-122"/>
-              <a:ea typeface="华文楷体" panose="02010600040101010101" charset="-122"/>
-              <a:cs typeface="华文楷体" panose="02010600040101010101" charset="-122"/>
             </a:endParaRPr>
           </a:p>
         </p:txBody>
